--- a/teaching/expdes/lec2.pptx
+++ b/teaching/expdes/lec2.pptx
@@ -228,7 +228,7 @@
           <a:p>
             <a:fld id="{4F19B4D1-0A28-FA4A-9134-5F79B138F3AC}" type="datetimeFigureOut">
               <a:rPr lang="en-US" smtClean="0"/>
-              <a:t>1/23/19</a:t>
+              <a:t>1/21/20</a:t>
             </a:fld>
             <a:endParaRPr lang="en-US"/>
           </a:p>
@@ -292,38 +292,37 @@
           <a:p>
             <a:pPr lvl="0"/>
             <a:r>
-              <a:rPr lang="en-US" smtClean="0"/>
+              <a:rPr lang="en-US"/>
               <a:t>Click to edit Master text styles</a:t>
             </a:r>
           </a:p>
           <a:p>
             <a:pPr lvl="1"/>
             <a:r>
-              <a:rPr lang="en-US" smtClean="0"/>
+              <a:rPr lang="en-US"/>
               <a:t>Second level</a:t>
             </a:r>
           </a:p>
           <a:p>
             <a:pPr lvl="2"/>
             <a:r>
-              <a:rPr lang="en-US" smtClean="0"/>
+              <a:rPr lang="en-US"/>
               <a:t>Third level</a:t>
             </a:r>
           </a:p>
           <a:p>
             <a:pPr lvl="3"/>
             <a:r>
-              <a:rPr lang="en-US" smtClean="0"/>
+              <a:rPr lang="en-US"/>
               <a:t>Fourth level</a:t>
             </a:r>
           </a:p>
           <a:p>
             <a:pPr lvl="4"/>
             <a:r>
-              <a:rPr lang="en-US" smtClean="0"/>
+              <a:rPr lang="en-US"/>
               <a:t>Fifth level</a:t>
             </a:r>
-            <a:endParaRPr lang="en-US"/>
           </a:p>
         </p:txBody>
       </p:sp>
@@ -538,10 +537,9 @@
           </a:lstStyle>
           <a:p>
             <a:r>
-              <a:rPr lang="en-US" smtClean="0"/>
+              <a:rPr lang="en-US"/>
               <a:t>Click to edit Master title style</a:t>
             </a:r>
-            <a:endParaRPr lang="en-US"/>
           </a:p>
         </p:txBody>
       </p:sp>
@@ -603,10 +601,9 @@
           </a:lstStyle>
           <a:p>
             <a:r>
-              <a:rPr lang="en-US" smtClean="0"/>
+              <a:rPr lang="en-US"/>
               <a:t>Click to edit Master subtitle style</a:t>
             </a:r>
-            <a:endParaRPr lang="en-US"/>
           </a:p>
         </p:txBody>
       </p:sp>
@@ -627,7 +624,7 @@
           <a:p>
             <a:fld id="{2B908699-CE29-634D-83B5-1061B2BD35A6}" type="datetimeFigureOut">
               <a:rPr lang="en-US" smtClean="0"/>
-              <a:t>1/23/19</a:t>
+              <a:t>1/21/20</a:t>
             </a:fld>
             <a:endParaRPr lang="en-US" dirty="0"/>
           </a:p>
@@ -721,10 +718,9 @@
           <a:lstStyle/>
           <a:p>
             <a:r>
-              <a:rPr lang="en-US" smtClean="0"/>
+              <a:rPr lang="en-US"/>
               <a:t>Click to edit Master title style</a:t>
             </a:r>
-            <a:endParaRPr lang="en-US"/>
           </a:p>
         </p:txBody>
       </p:sp>
@@ -745,38 +741,37 @@
           <a:p>
             <a:pPr lvl="0"/>
             <a:r>
-              <a:rPr lang="en-US" smtClean="0"/>
+              <a:rPr lang="en-US"/>
               <a:t>Click to edit Master text styles</a:t>
             </a:r>
           </a:p>
           <a:p>
             <a:pPr lvl="1"/>
             <a:r>
-              <a:rPr lang="en-US" smtClean="0"/>
+              <a:rPr lang="en-US"/>
               <a:t>Second level</a:t>
             </a:r>
           </a:p>
           <a:p>
             <a:pPr lvl="2"/>
             <a:r>
-              <a:rPr lang="en-US" smtClean="0"/>
+              <a:rPr lang="en-US"/>
               <a:t>Third level</a:t>
             </a:r>
           </a:p>
           <a:p>
             <a:pPr lvl="3"/>
             <a:r>
-              <a:rPr lang="en-US" smtClean="0"/>
+              <a:rPr lang="en-US"/>
               <a:t>Fourth level</a:t>
             </a:r>
           </a:p>
           <a:p>
             <a:pPr lvl="4"/>
             <a:r>
-              <a:rPr lang="en-US" smtClean="0"/>
+              <a:rPr lang="en-US"/>
               <a:t>Fifth level</a:t>
             </a:r>
-            <a:endParaRPr lang="en-US"/>
           </a:p>
         </p:txBody>
       </p:sp>
@@ -797,7 +792,7 @@
           <a:p>
             <a:fld id="{2B908699-CE29-634D-83B5-1061B2BD35A6}" type="datetimeFigureOut">
               <a:rPr lang="en-US" smtClean="0"/>
-              <a:t>1/23/19</a:t>
+              <a:t>1/21/20</a:t>
             </a:fld>
             <a:endParaRPr lang="en-US" dirty="0"/>
           </a:p>
@@ -896,10 +891,9 @@
           <a:lstStyle/>
           <a:p>
             <a:r>
-              <a:rPr lang="en-US" smtClean="0"/>
+              <a:rPr lang="en-US"/>
               <a:t>Click to edit Master title style</a:t>
             </a:r>
-            <a:endParaRPr lang="en-US"/>
           </a:p>
         </p:txBody>
       </p:sp>
@@ -925,38 +919,37 @@
           <a:p>
             <a:pPr lvl="0"/>
             <a:r>
-              <a:rPr lang="en-US" smtClean="0"/>
+              <a:rPr lang="en-US"/>
               <a:t>Click to edit Master text styles</a:t>
             </a:r>
           </a:p>
           <a:p>
             <a:pPr lvl="1"/>
             <a:r>
-              <a:rPr lang="en-US" smtClean="0"/>
+              <a:rPr lang="en-US"/>
               <a:t>Second level</a:t>
             </a:r>
           </a:p>
           <a:p>
             <a:pPr lvl="2"/>
             <a:r>
-              <a:rPr lang="en-US" smtClean="0"/>
+              <a:rPr lang="en-US"/>
               <a:t>Third level</a:t>
             </a:r>
           </a:p>
           <a:p>
             <a:pPr lvl="3"/>
             <a:r>
-              <a:rPr lang="en-US" smtClean="0"/>
+              <a:rPr lang="en-US"/>
               <a:t>Fourth level</a:t>
             </a:r>
           </a:p>
           <a:p>
             <a:pPr lvl="4"/>
             <a:r>
-              <a:rPr lang="en-US" smtClean="0"/>
+              <a:rPr lang="en-US"/>
               <a:t>Fifth level</a:t>
             </a:r>
-            <a:endParaRPr lang="en-US"/>
           </a:p>
         </p:txBody>
       </p:sp>
@@ -977,7 +970,7 @@
           <a:p>
             <a:fld id="{2B908699-CE29-634D-83B5-1061B2BD35A6}" type="datetimeFigureOut">
               <a:rPr lang="en-US" smtClean="0"/>
-              <a:t>1/23/19</a:t>
+              <a:t>1/21/20</a:t>
             </a:fld>
             <a:endParaRPr lang="en-US" dirty="0"/>
           </a:p>
@@ -1035,13 +1028,6 @@
   <p:clrMapOvr>
     <a:masterClrMapping/>
   </p:clrMapOvr>
-  <p:timing>
-    <p:tnLst>
-      <p:par>
-        <p:cTn id="1" dur="indefinite" restart="never" nodeType="tmRoot"/>
-      </p:par>
-    </p:tnLst>
-  </p:timing>
 </p:sldLayout>
 </file>
 
@@ -1078,10 +1064,9 @@
           <a:lstStyle/>
           <a:p>
             <a:r>
-              <a:rPr lang="en-US" smtClean="0"/>
+              <a:rPr lang="en-US"/>
               <a:t>Click to edit Master title style</a:t>
             </a:r>
-            <a:endParaRPr lang="en-US"/>
           </a:p>
         </p:txBody>
       </p:sp>
@@ -1102,38 +1087,37 @@
           <a:p>
             <a:pPr lvl="0"/>
             <a:r>
-              <a:rPr lang="en-US" smtClean="0"/>
+              <a:rPr lang="en-US"/>
               <a:t>Click to edit Master text styles</a:t>
             </a:r>
           </a:p>
           <a:p>
             <a:pPr lvl="1"/>
             <a:r>
-              <a:rPr lang="en-US" smtClean="0"/>
+              <a:rPr lang="en-US"/>
               <a:t>Second level</a:t>
             </a:r>
           </a:p>
           <a:p>
             <a:pPr lvl="2"/>
             <a:r>
-              <a:rPr lang="en-US" smtClean="0"/>
+              <a:rPr lang="en-US"/>
               <a:t>Third level</a:t>
             </a:r>
           </a:p>
           <a:p>
             <a:pPr lvl="3"/>
             <a:r>
-              <a:rPr lang="en-US" smtClean="0"/>
+              <a:rPr lang="en-US"/>
               <a:t>Fourth level</a:t>
             </a:r>
           </a:p>
           <a:p>
             <a:pPr lvl="4"/>
             <a:r>
-              <a:rPr lang="en-US" smtClean="0"/>
+              <a:rPr lang="en-US"/>
               <a:t>Fifth level</a:t>
             </a:r>
-            <a:endParaRPr lang="en-US"/>
           </a:p>
         </p:txBody>
       </p:sp>
@@ -1154,7 +1138,7 @@
           <a:p>
             <a:fld id="{2B908699-CE29-634D-83B5-1061B2BD35A6}" type="datetimeFigureOut">
               <a:rPr lang="en-US" smtClean="0"/>
-              <a:t>1/23/19</a:t>
+              <a:t>1/21/20</a:t>
             </a:fld>
             <a:endParaRPr lang="en-US" dirty="0"/>
           </a:p>
@@ -1257,10 +1241,9 @@
           </a:lstStyle>
           <a:p>
             <a:r>
-              <a:rPr lang="en-US" smtClean="0"/>
+              <a:rPr lang="en-US"/>
               <a:t>Click to edit Master title style</a:t>
             </a:r>
-            <a:endParaRPr lang="en-US"/>
           </a:p>
         </p:txBody>
       </p:sp>
@@ -1377,7 +1360,7 @@
           <a:p>
             <a:pPr lvl="0"/>
             <a:r>
-              <a:rPr lang="en-US" smtClean="0"/>
+              <a:rPr lang="en-US"/>
               <a:t>Click to edit Master text styles</a:t>
             </a:r>
           </a:p>
@@ -1400,7 +1383,7 @@
           <a:p>
             <a:fld id="{2B908699-CE29-634D-83B5-1061B2BD35A6}" type="datetimeFigureOut">
               <a:rPr lang="en-US" smtClean="0"/>
-              <a:t>1/23/19</a:t>
+              <a:t>1/21/20</a:t>
             </a:fld>
             <a:endParaRPr lang="en-US" dirty="0"/>
           </a:p>
@@ -1494,10 +1477,9 @@
           <a:lstStyle/>
           <a:p>
             <a:r>
-              <a:rPr lang="en-US" smtClean="0"/>
+              <a:rPr lang="en-US"/>
               <a:t>Click to edit Master title style</a:t>
             </a:r>
-            <a:endParaRPr lang="en-US"/>
           </a:p>
         </p:txBody>
       </p:sp>
@@ -1523,38 +1505,37 @@
           <a:p>
             <a:pPr lvl="0"/>
             <a:r>
-              <a:rPr lang="en-US" smtClean="0"/>
+              <a:rPr lang="en-US"/>
               <a:t>Click to edit Master text styles</a:t>
             </a:r>
           </a:p>
           <a:p>
             <a:pPr lvl="1"/>
             <a:r>
-              <a:rPr lang="en-US" smtClean="0"/>
+              <a:rPr lang="en-US"/>
               <a:t>Second level</a:t>
             </a:r>
           </a:p>
           <a:p>
             <a:pPr lvl="2"/>
             <a:r>
-              <a:rPr lang="en-US" smtClean="0"/>
+              <a:rPr lang="en-US"/>
               <a:t>Third level</a:t>
             </a:r>
           </a:p>
           <a:p>
             <a:pPr lvl="3"/>
             <a:r>
-              <a:rPr lang="en-US" smtClean="0"/>
+              <a:rPr lang="en-US"/>
               <a:t>Fourth level</a:t>
             </a:r>
           </a:p>
           <a:p>
             <a:pPr lvl="4"/>
             <a:r>
-              <a:rPr lang="en-US" smtClean="0"/>
+              <a:rPr lang="en-US"/>
               <a:t>Fifth level</a:t>
             </a:r>
-            <a:endParaRPr lang="en-US"/>
           </a:p>
         </p:txBody>
       </p:sp>
@@ -1580,38 +1561,37 @@
           <a:p>
             <a:pPr lvl="0"/>
             <a:r>
-              <a:rPr lang="en-US" smtClean="0"/>
+              <a:rPr lang="en-US"/>
               <a:t>Click to edit Master text styles</a:t>
             </a:r>
           </a:p>
           <a:p>
             <a:pPr lvl="1"/>
             <a:r>
-              <a:rPr lang="en-US" smtClean="0"/>
+              <a:rPr lang="en-US"/>
               <a:t>Second level</a:t>
             </a:r>
           </a:p>
           <a:p>
             <a:pPr lvl="2"/>
             <a:r>
-              <a:rPr lang="en-US" smtClean="0"/>
+              <a:rPr lang="en-US"/>
               <a:t>Third level</a:t>
             </a:r>
           </a:p>
           <a:p>
             <a:pPr lvl="3"/>
             <a:r>
-              <a:rPr lang="en-US" smtClean="0"/>
+              <a:rPr lang="en-US"/>
               <a:t>Fourth level</a:t>
             </a:r>
           </a:p>
           <a:p>
             <a:pPr lvl="4"/>
             <a:r>
-              <a:rPr lang="en-US" smtClean="0"/>
+              <a:rPr lang="en-US"/>
               <a:t>Fifth level</a:t>
             </a:r>
-            <a:endParaRPr lang="en-US"/>
           </a:p>
         </p:txBody>
       </p:sp>
@@ -1632,7 +1612,7 @@
           <a:p>
             <a:fld id="{2B908699-CE29-634D-83B5-1061B2BD35A6}" type="datetimeFigureOut">
               <a:rPr lang="en-US" smtClean="0"/>
-              <a:t>1/23/19</a:t>
+              <a:t>1/21/20</a:t>
             </a:fld>
             <a:endParaRPr lang="en-US" dirty="0"/>
           </a:p>
@@ -1731,10 +1711,9 @@
           <a:lstStyle/>
           <a:p>
             <a:r>
-              <a:rPr lang="en-US" smtClean="0"/>
+              <a:rPr lang="en-US"/>
               <a:t>Click to edit Master title style</a:t>
             </a:r>
-            <a:endParaRPr lang="en-US"/>
           </a:p>
         </p:txBody>
       </p:sp>
@@ -1797,7 +1776,7 @@
           <a:p>
             <a:pPr lvl="0"/>
             <a:r>
-              <a:rPr lang="en-US" smtClean="0"/>
+              <a:rPr lang="en-US"/>
               <a:t>Click to edit Master text styles</a:t>
             </a:r>
           </a:p>
@@ -1825,38 +1804,37 @@
           <a:p>
             <a:pPr lvl="0"/>
             <a:r>
-              <a:rPr lang="en-US" smtClean="0"/>
+              <a:rPr lang="en-US"/>
               <a:t>Click to edit Master text styles</a:t>
             </a:r>
           </a:p>
           <a:p>
             <a:pPr lvl="1"/>
             <a:r>
-              <a:rPr lang="en-US" smtClean="0"/>
+              <a:rPr lang="en-US"/>
               <a:t>Second level</a:t>
             </a:r>
           </a:p>
           <a:p>
             <a:pPr lvl="2"/>
             <a:r>
-              <a:rPr lang="en-US" smtClean="0"/>
+              <a:rPr lang="en-US"/>
               <a:t>Third level</a:t>
             </a:r>
           </a:p>
           <a:p>
             <a:pPr lvl="3"/>
             <a:r>
-              <a:rPr lang="en-US" smtClean="0"/>
+              <a:rPr lang="en-US"/>
               <a:t>Fourth level</a:t>
             </a:r>
           </a:p>
           <a:p>
             <a:pPr lvl="4"/>
             <a:r>
-              <a:rPr lang="en-US" smtClean="0"/>
+              <a:rPr lang="en-US"/>
               <a:t>Fifth level</a:t>
             </a:r>
-            <a:endParaRPr lang="en-US"/>
           </a:p>
         </p:txBody>
       </p:sp>
@@ -1919,7 +1897,7 @@
           <a:p>
             <a:pPr lvl="0"/>
             <a:r>
-              <a:rPr lang="en-US" smtClean="0"/>
+              <a:rPr lang="en-US"/>
               <a:t>Click to edit Master text styles</a:t>
             </a:r>
           </a:p>
@@ -1947,38 +1925,37 @@
           <a:p>
             <a:pPr lvl="0"/>
             <a:r>
-              <a:rPr lang="en-US" smtClean="0"/>
+              <a:rPr lang="en-US"/>
               <a:t>Click to edit Master text styles</a:t>
             </a:r>
           </a:p>
           <a:p>
             <a:pPr lvl="1"/>
             <a:r>
-              <a:rPr lang="en-US" smtClean="0"/>
+              <a:rPr lang="en-US"/>
               <a:t>Second level</a:t>
             </a:r>
           </a:p>
           <a:p>
             <a:pPr lvl="2"/>
             <a:r>
-              <a:rPr lang="en-US" smtClean="0"/>
+              <a:rPr lang="en-US"/>
               <a:t>Third level</a:t>
             </a:r>
           </a:p>
           <a:p>
             <a:pPr lvl="3"/>
             <a:r>
-              <a:rPr lang="en-US" smtClean="0"/>
+              <a:rPr lang="en-US"/>
               <a:t>Fourth level</a:t>
             </a:r>
           </a:p>
           <a:p>
             <a:pPr lvl="4"/>
             <a:r>
-              <a:rPr lang="en-US" smtClean="0"/>
+              <a:rPr lang="en-US"/>
               <a:t>Fifth level</a:t>
             </a:r>
-            <a:endParaRPr lang="en-US"/>
           </a:p>
         </p:txBody>
       </p:sp>
@@ -1999,7 +1976,7 @@
           <a:p>
             <a:fld id="{2B908699-CE29-634D-83B5-1061B2BD35A6}" type="datetimeFigureOut">
               <a:rPr lang="en-US" smtClean="0"/>
-              <a:t>1/23/19</a:t>
+              <a:t>1/21/20</a:t>
             </a:fld>
             <a:endParaRPr lang="en-US" dirty="0"/>
           </a:p>
@@ -2093,10 +2070,9 @@
           <a:lstStyle/>
           <a:p>
             <a:r>
-              <a:rPr lang="en-US" smtClean="0"/>
+              <a:rPr lang="en-US"/>
               <a:t>Click to edit Master title style</a:t>
             </a:r>
-            <a:endParaRPr lang="en-US"/>
           </a:p>
         </p:txBody>
       </p:sp>
@@ -2117,7 +2093,7 @@
           <a:p>
             <a:fld id="{2B908699-CE29-634D-83B5-1061B2BD35A6}" type="datetimeFigureOut">
               <a:rPr lang="en-US" smtClean="0"/>
-              <a:t>1/23/19</a:t>
+              <a:t>1/21/20</a:t>
             </a:fld>
             <a:endParaRPr lang="en-US" dirty="0"/>
           </a:p>
@@ -2212,7 +2188,7 @@
           <a:p>
             <a:fld id="{2B908699-CE29-634D-83B5-1061B2BD35A6}" type="datetimeFigureOut">
               <a:rPr lang="en-US" smtClean="0"/>
-              <a:t>1/23/19</a:t>
+              <a:t>1/21/20</a:t>
             </a:fld>
             <a:endParaRPr lang="en-US" dirty="0"/>
           </a:p>
@@ -2315,10 +2291,9 @@
           </a:lstStyle>
           <a:p>
             <a:r>
-              <a:rPr lang="en-US" smtClean="0"/>
+              <a:rPr lang="en-US"/>
               <a:t>Click to edit Master title style</a:t>
             </a:r>
-            <a:endParaRPr lang="en-US"/>
           </a:p>
         </p:txBody>
       </p:sp>
@@ -2372,38 +2347,37 @@
           <a:p>
             <a:pPr lvl="0"/>
             <a:r>
-              <a:rPr lang="en-US" smtClean="0"/>
+              <a:rPr lang="en-US"/>
               <a:t>Click to edit Master text styles</a:t>
             </a:r>
           </a:p>
           <a:p>
             <a:pPr lvl="1"/>
             <a:r>
-              <a:rPr lang="en-US" smtClean="0"/>
+              <a:rPr lang="en-US"/>
               <a:t>Second level</a:t>
             </a:r>
           </a:p>
           <a:p>
             <a:pPr lvl="2"/>
             <a:r>
-              <a:rPr lang="en-US" smtClean="0"/>
+              <a:rPr lang="en-US"/>
               <a:t>Third level</a:t>
             </a:r>
           </a:p>
           <a:p>
             <a:pPr lvl="3"/>
             <a:r>
-              <a:rPr lang="en-US" smtClean="0"/>
+              <a:rPr lang="en-US"/>
               <a:t>Fourth level</a:t>
             </a:r>
           </a:p>
           <a:p>
             <a:pPr lvl="4"/>
             <a:r>
-              <a:rPr lang="en-US" smtClean="0"/>
+              <a:rPr lang="en-US"/>
               <a:t>Fifth level</a:t>
             </a:r>
-            <a:endParaRPr lang="en-US"/>
           </a:p>
         </p:txBody>
       </p:sp>
@@ -2466,7 +2440,7 @@
           <a:p>
             <a:pPr lvl="0"/>
             <a:r>
-              <a:rPr lang="en-US" smtClean="0"/>
+              <a:rPr lang="en-US"/>
               <a:t>Click to edit Master text styles</a:t>
             </a:r>
           </a:p>
@@ -2489,7 +2463,7 @@
           <a:p>
             <a:fld id="{2B908699-CE29-634D-83B5-1061B2BD35A6}" type="datetimeFigureOut">
               <a:rPr lang="en-US" smtClean="0"/>
-              <a:t>1/23/19</a:t>
+              <a:t>1/21/20</a:t>
             </a:fld>
             <a:endParaRPr lang="en-US" dirty="0"/>
           </a:p>
@@ -2592,10 +2566,9 @@
           </a:lstStyle>
           <a:p>
             <a:r>
-              <a:rPr lang="en-US" smtClean="0"/>
+              <a:rPr lang="en-US"/>
               <a:t>Click to edit Master title style</a:t>
             </a:r>
-            <a:endParaRPr lang="en-US"/>
           </a:p>
         </p:txBody>
       </p:sp>
@@ -2719,7 +2692,7 @@
           <a:p>
             <a:pPr lvl="0"/>
             <a:r>
-              <a:rPr lang="en-US" smtClean="0"/>
+              <a:rPr lang="en-US"/>
               <a:t>Click to edit Master text styles</a:t>
             </a:r>
           </a:p>
@@ -2742,7 +2715,7 @@
           <a:p>
             <a:fld id="{2B908699-CE29-634D-83B5-1061B2BD35A6}" type="datetimeFigureOut">
               <a:rPr lang="en-US" smtClean="0"/>
-              <a:t>1/23/19</a:t>
+              <a:t>1/21/20</a:t>
             </a:fld>
             <a:endParaRPr lang="en-US" dirty="0"/>
           </a:p>
@@ -2851,10 +2824,9 @@
           <a:lstStyle/>
           <a:p>
             <a:r>
-              <a:rPr lang="en-US" smtClean="0"/>
+              <a:rPr lang="en-US"/>
               <a:t>Click to edit Master title style</a:t>
             </a:r>
-            <a:endParaRPr lang="en-US"/>
           </a:p>
         </p:txBody>
       </p:sp>
@@ -2885,38 +2857,37 @@
           <a:p>
             <a:pPr lvl="0"/>
             <a:r>
-              <a:rPr lang="en-US" smtClean="0"/>
+              <a:rPr lang="en-US"/>
               <a:t>Click to edit Master text styles</a:t>
             </a:r>
           </a:p>
           <a:p>
             <a:pPr lvl="1"/>
             <a:r>
-              <a:rPr lang="en-US" smtClean="0"/>
+              <a:rPr lang="en-US"/>
               <a:t>Second level</a:t>
             </a:r>
           </a:p>
           <a:p>
             <a:pPr lvl="2"/>
             <a:r>
-              <a:rPr lang="en-US" smtClean="0"/>
+              <a:rPr lang="en-US"/>
               <a:t>Third level</a:t>
             </a:r>
           </a:p>
           <a:p>
             <a:pPr lvl="3"/>
             <a:r>
-              <a:rPr lang="en-US" smtClean="0"/>
+              <a:rPr lang="en-US"/>
               <a:t>Fourth level</a:t>
             </a:r>
           </a:p>
           <a:p>
             <a:pPr lvl="4"/>
             <a:r>
-              <a:rPr lang="en-US" smtClean="0"/>
+              <a:rPr lang="en-US"/>
               <a:t>Fifth level</a:t>
             </a:r>
-            <a:endParaRPr lang="en-US"/>
           </a:p>
         </p:txBody>
       </p:sp>
@@ -2955,7 +2926,7 @@
           <a:p>
             <a:fld id="{2B908699-CE29-634D-83B5-1061B2BD35A6}" type="datetimeFigureOut">
               <a:rPr lang="en-US" smtClean="0"/>
-              <a:t>1/23/19</a:t>
+              <a:t>1/21/20</a:t>
             </a:fld>
             <a:endParaRPr lang="en-US" dirty="0"/>
           </a:p>
@@ -3401,45 +3372,32 @@
               <a:rPr lang="en-US" dirty="0"/>
             </a:br>
             <a:r>
-              <a:rPr lang="en-US" sz="4000" dirty="0" smtClean="0"/>
+              <a:rPr lang="en-US" sz="4000" dirty="0"/>
               <a:t>Biology 683</a:t>
-            </a:r>
-            <a:br>
-              <a:rPr lang="en-US" sz="4000" dirty="0" smtClean="0"/>
-            </a:br>
-            <a:r>
-              <a:rPr lang="en-US" sz="4000" dirty="0" smtClean="0"/>
-              <a:t/>
-            </a:r>
-            <a:br>
-              <a:rPr lang="en-US" sz="4000" dirty="0" smtClean="0"/>
-            </a:br>
-            <a:r>
-              <a:rPr lang="en-US" sz="4000" dirty="0" smtClean="0"/>
-              <a:t>Lecture 2</a:t>
-            </a:r>
-            <a:br>
-              <a:rPr lang="en-US" sz="4000" dirty="0" smtClean="0"/>
-            </a:br>
-            <a:r>
-              <a:rPr lang="en-US" sz="4000" dirty="0" smtClean="0"/>
-              <a:t/>
-            </a:r>
-            <a:br>
-              <a:rPr lang="en-US" sz="4000" dirty="0" smtClean="0"/>
-            </a:br>
-            <a:r>
-              <a:rPr lang="en-US" sz="4000" dirty="0"/>
-              <a:t/>
             </a:r>
             <a:br>
               <a:rPr lang="en-US" sz="4000" dirty="0"/>
             </a:br>
-            <a:r>
-              <a:rPr lang="en-US" sz="2800" dirty="0" smtClean="0"/>
+            <a:br>
+              <a:rPr lang="en-US" sz="4000" dirty="0"/>
+            </a:br>
+            <a:r>
+              <a:rPr lang="en-US" sz="4000" dirty="0"/>
+              <a:t>Lecture 2</a:t>
+            </a:r>
+            <a:br>
+              <a:rPr lang="en-US" sz="4000" dirty="0"/>
+            </a:br>
+            <a:br>
+              <a:rPr lang="en-US" sz="4000" dirty="0"/>
+            </a:br>
+            <a:br>
+              <a:rPr lang="en-US" sz="4000" dirty="0"/>
+            </a:br>
+            <a:r>
+              <a:rPr lang="en-US" sz="2800" dirty="0"/>
               <a:t>Heath Blackmon</a:t>
             </a:r>
-            <a:endParaRPr lang="en-US" sz="2800" dirty="0"/>
           </a:p>
         </p:txBody>
       </p:sp>
@@ -3483,13 +3441,6 @@
   <p:clrMapOvr>
     <a:masterClrMapping/>
   </p:clrMapOvr>
-  <p:timing>
-    <p:tnLst>
-      <p:par>
-        <p:cTn id="1" dur="indefinite" restart="never" nodeType="tmRoot"/>
-      </p:par>
-    </p:tnLst>
-  </p:timing>
 </p:sld>
 </file>
 
@@ -3578,31 +3529,8 @@
           <a:p>
             <a:pPr fontAlgn="base"/>
             <a:r>
-              <a:rPr lang="en-US" sz="2800" dirty="0" smtClean="0"/>
-              <a:t>A </a:t>
-            </a:r>
-            <a:r>
               <a:rPr lang="en-US" sz="2800" dirty="0"/>
-              <a:t>statistical hypothesis is a specific claim about a population parameter </a:t>
-            </a:r>
-          </a:p>
-          <a:p>
-            <a:pPr fontAlgn="base"/>
-            <a:endParaRPr lang="en-US" sz="2800" i="1" dirty="0" smtClean="0"/>
-          </a:p>
-          <a:p>
-            <a:pPr fontAlgn="base"/>
-            <a:r>
-              <a:rPr lang="en-US" sz="2800" i="1" dirty="0" smtClean="0"/>
-              <a:t>Caloric </a:t>
-            </a:r>
-            <a:r>
-              <a:rPr lang="en-US" sz="2800" i="1" dirty="0"/>
-              <a:t>restriction increases the lifespan of Drosophila </a:t>
-            </a:r>
-            <a:r>
-              <a:rPr lang="en-US" sz="2800" i="1" dirty="0" smtClean="0"/>
-              <a:t>melanogaster.</a:t>
+              <a:t>A statistical hypothesis is a specific claim about a population parameter </a:t>
             </a:r>
           </a:p>
           <a:p>
@@ -3612,12 +3540,19 @@
           <a:p>
             <a:pPr fontAlgn="base"/>
             <a:r>
-              <a:rPr lang="en-US" sz="2800" i="1" dirty="0" smtClean="0"/>
+              <a:rPr lang="en-US" sz="2800" i="1" dirty="0"/>
+              <a:t>Caloric restriction increases the lifespan of Drosophila melanogaster.</a:t>
+            </a:r>
+          </a:p>
+          <a:p>
+            <a:pPr fontAlgn="base"/>
+            <a:endParaRPr lang="en-US" sz="2800" i="1" dirty="0"/>
+          </a:p>
+          <a:p>
+            <a:pPr fontAlgn="base"/>
+            <a:r>
+              <a:rPr lang="en-US" sz="2800" i="1" dirty="0"/>
               <a:t>The rate of evolution in wingless species is higher than winged species.</a:t>
-            </a:r>
-            <a:r>
-              <a:rPr lang="en-US" sz="2800" dirty="0"/>
-              <a:t/>
             </a:r>
             <a:br>
               <a:rPr lang="en-US" sz="2800" dirty="0"/>
@@ -3628,11 +3563,7 @@
             <a:pPr fontAlgn="base"/>
             <a:r>
               <a:rPr lang="en-US" sz="2800" i="1" dirty="0"/>
-              <a:t>Pesticide exposure causes feminization of amphibian </a:t>
-            </a:r>
-            <a:r>
-              <a:rPr lang="en-US" sz="2800" i="1" dirty="0" smtClean="0"/>
-              <a:t>males.</a:t>
+              <a:t>Pesticide exposure causes feminization of amphibian males.</a:t>
             </a:r>
           </a:p>
           <a:p>
@@ -3642,10 +3573,9 @@
           <a:p>
             <a:pPr fontAlgn="base"/>
             <a:r>
-              <a:rPr lang="en-US" sz="2800" i="1" dirty="0" smtClean="0"/>
+              <a:rPr lang="en-US" sz="2800" i="1" dirty="0"/>
               <a:t>Repetitive DNA content is higher in venomous than nonvenomous reptiles</a:t>
             </a:r>
-            <a:endParaRPr lang="en-US" sz="2800" i="1" dirty="0"/>
           </a:p>
           <a:p>
             <a:pPr fontAlgn="base"/>
@@ -3993,18 +3923,13 @@
           <a:p>
             <a:pPr algn="ctr"/>
             <a:r>
-              <a:rPr lang="en-US" b="1" dirty="0" smtClean="0">
+              <a:rPr lang="en-US" b="1" dirty="0">
                 <a:solidFill>
                   <a:schemeClr val="bg1"/>
                 </a:solidFill>
               </a:rPr>
               <a:t>Data</a:t>
             </a:r>
-            <a:endParaRPr lang="en-US" b="1" dirty="0">
-              <a:solidFill>
-                <a:schemeClr val="bg1"/>
-              </a:solidFill>
-            </a:endParaRPr>
           </a:p>
         </p:txBody>
       </p:sp>
@@ -4030,12 +3955,12 @@
           <a:lstStyle/>
           <a:p>
             <a:pPr fontAlgn="base"/>
-            <a:endParaRPr lang="en-US" sz="3200" dirty="0" smtClean="0"/>
+            <a:endParaRPr lang="en-US" sz="3200" dirty="0"/>
           </a:p>
           <a:p>
             <a:pPr fontAlgn="base"/>
             <a:r>
-              <a:rPr lang="en-US" sz="3200" b="1" dirty="0" smtClean="0"/>
+              <a:rPr lang="en-US" sz="3200" b="1" dirty="0"/>
               <a:t>Variables</a:t>
             </a:r>
             <a:r>
@@ -4052,15 +3977,11 @@
           </a:p>
           <a:p>
             <a:pPr fontAlgn="base"/>
-            <a:r>
-              <a:rPr lang="en-US" sz="3200" b="1" dirty="0" smtClean="0"/>
-              <a:t/>
-            </a:r>
             <a:br>
-              <a:rPr lang="en-US" sz="3200" b="1" dirty="0" smtClean="0"/>
+              <a:rPr lang="en-US" sz="3200" b="1" dirty="0"/>
             </a:br>
             <a:r>
-              <a:rPr lang="en-US" sz="3200" b="1" dirty="0" smtClean="0"/>
+              <a:rPr lang="en-US" sz="3200" b="1" dirty="0"/>
               <a:t>Data</a:t>
             </a:r>
             <a:r>
@@ -4077,17 +3998,13 @@
           </a:p>
           <a:p>
             <a:pPr fontAlgn="base"/>
-            <a:endParaRPr lang="en-US" sz="3200" b="1" dirty="0" smtClean="0"/>
+            <a:endParaRPr lang="en-US" sz="3200" b="1" dirty="0"/>
           </a:p>
           <a:p>
             <a:pPr fontAlgn="base"/>
             <a:r>
-              <a:rPr lang="en-US" sz="3200" b="1" dirty="0" smtClean="0"/>
-              <a:t>Categorical </a:t>
-            </a:r>
-            <a:r>
               <a:rPr lang="en-US" sz="3200" b="1" dirty="0"/>
-              <a:t>Variables</a:t>
+              <a:t>Categorical Variables</a:t>
             </a:r>
             <a:r>
               <a:rPr lang="en-US" sz="3200" dirty="0"/>
@@ -4113,13 +4030,6 @@
   <p:clrMapOvr>
     <a:masterClrMapping/>
   </p:clrMapOvr>
-  <p:timing>
-    <p:tnLst>
-      <p:par>
-        <p:cTn id="1" dur="indefinite" restart="never" nodeType="tmRoot"/>
-      </p:par>
-    </p:tnLst>
-  </p:timing>
 </p:sld>
 </file>
 
@@ -4175,18 +4085,13 @@
           <a:p>
             <a:pPr algn="ctr"/>
             <a:r>
-              <a:rPr lang="en-US" b="1" dirty="0" smtClean="0">
+              <a:rPr lang="en-US" b="1" dirty="0">
                 <a:solidFill>
                   <a:schemeClr val="bg1"/>
                 </a:solidFill>
               </a:rPr>
               <a:t>Data</a:t>
             </a:r>
-            <a:endParaRPr lang="en-US" b="1" dirty="0">
-              <a:solidFill>
-                <a:schemeClr val="bg1"/>
-              </a:solidFill>
-            </a:endParaRPr>
           </a:p>
         </p:txBody>
       </p:sp>
@@ -4212,7 +4117,7 @@
           <a:lstStyle/>
           <a:p>
             <a:pPr fontAlgn="base"/>
-            <a:endParaRPr lang="en-US" sz="3200" dirty="0" smtClean="0"/>
+            <a:endParaRPr lang="en-US" sz="3200" dirty="0"/>
           </a:p>
           <a:p>
             <a:pPr fontAlgn="base"/>
@@ -4231,7 +4136,6 @@
               <a:rPr lang="en-US" sz="3200" dirty="0"/>
               <a:t>Individuals vary on a quantitative scale  </a:t>
             </a:r>
-            <a:endParaRPr lang="en-US" sz="3200" dirty="0" smtClean="0"/>
           </a:p>
           <a:p>
             <a:pPr fontAlgn="base"/>
@@ -4254,7 +4158,6 @@
               <a:rPr lang="en-US" sz="3200" dirty="0"/>
               <a:t>The categories can be ordered </a:t>
             </a:r>
-            <a:endParaRPr lang="en-US" sz="3200" dirty="0" smtClean="0"/>
           </a:p>
           <a:p>
             <a:pPr fontAlgn="base"/>
@@ -4297,13 +4200,6 @@
   <p:clrMapOvr>
     <a:masterClrMapping/>
   </p:clrMapOvr>
-  <p:timing>
-    <p:tnLst>
-      <p:par>
-        <p:cTn id="1" dur="indefinite" restart="never" nodeType="tmRoot"/>
-      </p:par>
-    </p:tnLst>
-  </p:timing>
 </p:sld>
 </file>
 
@@ -4394,7 +4290,7 @@
           <a:p>
             <a:pPr fontAlgn="base"/>
             <a:r>
-              <a:rPr lang="en-US" sz="3200" b="1" dirty="0" smtClean="0"/>
+              <a:rPr lang="en-US" sz="3200" b="1" dirty="0"/>
               <a:t>Continuous variables</a:t>
             </a:r>
             <a:endParaRPr lang="en-US" sz="3200" dirty="0"/>
@@ -4402,22 +4298,18 @@
           <a:p>
             <a:pPr fontAlgn="base"/>
             <a:r>
-              <a:rPr lang="en-US" sz="3200" dirty="0" smtClean="0"/>
-              <a:t>a </a:t>
-            </a:r>
-            <a:r>
               <a:rPr lang="en-US" sz="3200" dirty="0"/>
-              <a:t>variable that has an infinite number of possible values</a:t>
+              <a:t>a variable that has an infinite number of possible values</a:t>
             </a:r>
           </a:p>
           <a:p>
             <a:pPr fontAlgn="base"/>
-            <a:endParaRPr lang="en-US" sz="3200" b="1" dirty="0" smtClean="0"/>
+            <a:endParaRPr lang="en-US" sz="3200" b="1" dirty="0"/>
           </a:p>
           <a:p>
             <a:pPr fontAlgn="base"/>
             <a:r>
-              <a:rPr lang="en-US" sz="3200" b="1" dirty="0" smtClean="0"/>
+              <a:rPr lang="en-US" sz="3200" b="1" dirty="0"/>
               <a:t>Discrete variables</a:t>
             </a:r>
             <a:endParaRPr lang="en-US" sz="3200" dirty="0"/>
@@ -4425,12 +4317,8 @@
           <a:p>
             <a:pPr fontAlgn="base"/>
             <a:r>
-              <a:rPr lang="en-US" sz="3200" dirty="0" smtClean="0"/>
-              <a:t>a </a:t>
-            </a:r>
-            <a:r>
               <a:rPr lang="en-US" sz="3200" dirty="0"/>
-              <a:t>variable that has a finite number of possible values</a:t>
+              <a:t>a variable that has a finite number of possible values</a:t>
             </a:r>
           </a:p>
         </p:txBody>
@@ -4564,13 +4452,6 @@
   <p:clrMapOvr>
     <a:masterClrMapping/>
   </p:clrMapOvr>
-  <p:timing>
-    <p:tnLst>
-      <p:par>
-        <p:cTn id="1" dur="indefinite" restart="never" nodeType="tmRoot"/>
-      </p:par>
-    </p:tnLst>
-  </p:timing>
 </p:sld>
 </file>
 
@@ -4676,13 +4557,6 @@
   <p:clrMapOvr>
     <a:masterClrMapping/>
   </p:clrMapOvr>
-  <p:timing>
-    <p:tnLst>
-      <p:par>
-        <p:cTn id="1" dur="indefinite" restart="never" nodeType="tmRoot"/>
-      </p:par>
-    </p:tnLst>
-  </p:timing>
 </p:sld>
 </file>
 
@@ -4774,7 +4648,7 @@
               <a:buChar char="•"/>
             </a:pPr>
             <a:r>
-              <a:rPr lang="en-US" sz="3200" dirty="0" smtClean="0"/>
+              <a:rPr lang="en-US" sz="3200" dirty="0"/>
               <a:t>Does caloric restriction increase lifespan in mice? </a:t>
             </a:r>
           </a:p>
@@ -4784,7 +4658,7 @@
               <a:buChar char="•"/>
             </a:pPr>
             <a:r>
-              <a:rPr lang="en-US" sz="3200" dirty="0" smtClean="0"/>
+              <a:rPr lang="en-US" sz="3200" dirty="0"/>
               <a:t>Is global warming caused by human activities? </a:t>
             </a:r>
           </a:p>
@@ -4794,7 +4668,7 @@
               <a:buChar char="•"/>
             </a:pPr>
             <a:r>
-              <a:rPr lang="en-US" sz="3200" dirty="0" smtClean="0"/>
+              <a:rPr lang="en-US" sz="3200" dirty="0"/>
               <a:t>Does smoking cause lung cancer in humans? </a:t>
             </a:r>
           </a:p>
@@ -4804,7 +4678,7 @@
               <a:buChar char="•"/>
             </a:pPr>
             <a:r>
-              <a:rPr lang="en-US" sz="3200" dirty="0" smtClean="0"/>
+              <a:rPr lang="en-US" sz="3200" dirty="0"/>
               <a:t>Does parasite infection reduce mating success of beetles? </a:t>
             </a:r>
           </a:p>
@@ -4814,7 +4688,7 @@
               <a:buChar char="•"/>
             </a:pPr>
             <a:r>
-              <a:rPr lang="en-US" sz="3200" dirty="0" smtClean="0"/>
+              <a:rPr lang="en-US" sz="3200" dirty="0"/>
               <a:t>Does oxytocin affect sexual attraction in humans? </a:t>
             </a:r>
           </a:p>
@@ -4824,10 +4698,9 @@
               <a:buChar char="•"/>
             </a:pPr>
             <a:r>
-              <a:rPr lang="en-US" sz="3200" dirty="0" smtClean="0"/>
+              <a:rPr lang="en-US" sz="3200" dirty="0"/>
               <a:t>Do sex chromosomes increase the rate of speciation?</a:t>
             </a:r>
-            <a:endParaRPr lang="en-US" sz="3200" dirty="0"/>
           </a:p>
         </p:txBody>
       </p:sp>
@@ -4841,13 +4714,6 @@
   <p:clrMapOvr>
     <a:masterClrMapping/>
   </p:clrMapOvr>
-  <p:timing>
-    <p:tnLst>
-      <p:par>
-        <p:cTn id="1" dur="indefinite" restart="never" nodeType="tmRoot"/>
-      </p:par>
-    </p:tnLst>
-  </p:timing>
 </p:sld>
 </file>
 
@@ -4903,18 +4769,13 @@
           <a:p>
             <a:pPr algn="ctr"/>
             <a:r>
-              <a:rPr lang="en-US" b="1" dirty="0" smtClean="0">
+              <a:rPr lang="en-US" b="1" dirty="0">
                 <a:solidFill>
                   <a:schemeClr val="bg1"/>
                 </a:solidFill>
               </a:rPr>
               <a:t>Why should we summarize data?</a:t>
             </a:r>
-            <a:endParaRPr lang="en-US" b="1" dirty="0">
-              <a:solidFill>
-                <a:schemeClr val="bg1"/>
-              </a:solidFill>
-            </a:endParaRPr>
           </a:p>
         </p:txBody>
       </p:sp>
@@ -4953,7 +4814,7 @@
               <a:buFont typeface="Arial" charset="0"/>
               <a:buChar char="•"/>
             </a:pPr>
-            <a:endParaRPr lang="en-US" sz="3600" dirty="0" smtClean="0"/>
+            <a:endParaRPr lang="en-US" sz="3600" dirty="0"/>
           </a:p>
           <a:p>
             <a:pPr marL="457200" indent="-457200" fontAlgn="base">
@@ -4961,12 +4822,8 @@
               <a:buChar char="•"/>
             </a:pPr>
             <a:r>
-              <a:rPr lang="en-US" sz="3600" dirty="0" smtClean="0"/>
-              <a:t>Our </a:t>
-            </a:r>
-            <a:r>
               <a:rPr lang="en-US" sz="3600" dirty="0"/>
-              <a:t>impressions of small datasets are often misled by our tendency to look for patterns.</a:t>
+              <a:t>Our impressions of small datasets are often misled by our tendency to look for patterns.</a:t>
             </a:r>
           </a:p>
         </p:txBody>
@@ -5202,20 +5059,12 @@
               <a:buChar char="•"/>
             </a:pPr>
             <a:r>
-              <a:rPr lang="en-US" sz="3200" b="1" dirty="0" smtClean="0"/>
-              <a:t>Mean</a:t>
-            </a:r>
-            <a:r>
               <a:rPr lang="en-US" sz="3200" b="1" dirty="0"/>
-              <a:t>:</a:t>
+              <a:t>Mean:</a:t>
             </a:r>
             <a:r>
               <a:rPr lang="en-US" sz="3200" dirty="0"/>
-              <a:t> Sum of the observations divided by the number of </a:t>
-            </a:r>
-            <a:r>
-              <a:rPr lang="en-US" sz="3200" dirty="0" smtClean="0"/>
-              <a:t>observations</a:t>
+              <a:t> Sum of the observations divided by the number of observations</a:t>
             </a:r>
           </a:p>
           <a:p>
@@ -5231,20 +5080,12 @@
               <a:buChar char="•"/>
             </a:pPr>
             <a:r>
-              <a:rPr lang="en-US" sz="3200" b="1" dirty="0" smtClean="0"/>
-              <a:t>Median</a:t>
-            </a:r>
-            <a:r>
               <a:rPr lang="en-US" sz="3200" b="1" dirty="0"/>
-              <a:t>:</a:t>
+              <a:t>Median:</a:t>
             </a:r>
             <a:r>
               <a:rPr lang="en-US" sz="3200" dirty="0"/>
-              <a:t> The middle observation in a set of </a:t>
-            </a:r>
-            <a:r>
-              <a:rPr lang="en-US" sz="3200" dirty="0" smtClean="0"/>
-              <a:t>data</a:t>
+              <a:t> The middle observation in a set of data</a:t>
             </a:r>
           </a:p>
           <a:p>
@@ -5260,20 +5101,12 @@
               <a:buChar char="•"/>
             </a:pPr>
             <a:r>
-              <a:rPr lang="en-US" sz="3200" b="1" dirty="0" smtClean="0"/>
-              <a:t>Variance</a:t>
-            </a:r>
-            <a:r>
               <a:rPr lang="en-US" sz="3200" b="1" dirty="0"/>
-              <a:t>:</a:t>
+              <a:t>Variance:</a:t>
             </a:r>
             <a:r>
               <a:rPr lang="en-US" sz="3200" dirty="0"/>
-              <a:t> The average squared deviation from the </a:t>
-            </a:r>
-            <a:r>
-              <a:rPr lang="en-US" sz="3200" dirty="0" smtClean="0"/>
-              <a:t>mean</a:t>
+              <a:t> The average squared deviation from the mean</a:t>
             </a:r>
           </a:p>
           <a:p>
@@ -5289,12 +5122,8 @@
               <a:buChar char="•"/>
             </a:pPr>
             <a:r>
-              <a:rPr lang="en-US" sz="3200" b="1" dirty="0" smtClean="0"/>
-              <a:t>Standard </a:t>
-            </a:r>
-            <a:r>
               <a:rPr lang="en-US" sz="3200" b="1" dirty="0"/>
-              <a:t>Deviation:</a:t>
+              <a:t>Standard Deviation:</a:t>
             </a:r>
             <a:r>
               <a:rPr lang="en-US" sz="3200" dirty="0"/>
@@ -5313,13 +5142,6 @@
   <p:clrMapOvr>
     <a:masterClrMapping/>
   </p:clrMapOvr>
-  <p:timing>
-    <p:tnLst>
-      <p:par>
-        <p:cTn id="1" dur="indefinite" restart="never" nodeType="tmRoot"/>
-      </p:par>
-    </p:tnLst>
-  </p:timing>
 </p:sld>
 </file>
 
@@ -5427,13 +5249,6 @@
   <p:clrMapOvr>
     <a:masterClrMapping/>
   </p:clrMapOvr>
-  <p:timing>
-    <p:tnLst>
-      <p:par>
-        <p:cTn id="1" dur="indefinite" restart="never" nodeType="tmRoot"/>
-      </p:par>
-    </p:tnLst>
-  </p:timing>
 </p:sld>
 </file>
 
@@ -5613,16 +5428,15 @@
             <a:lstStyle/>
             <a:p>
               <a:r>
-                <a:rPr lang="en-US" dirty="0" smtClean="0"/>
+                <a:rPr lang="en-US" dirty="0"/>
                 <a:t>Interquartile</a:t>
               </a:r>
             </a:p>
             <a:p>
               <a:r>
-                <a:rPr lang="en-US" dirty="0" smtClean="0"/>
+                <a:rPr lang="en-US" dirty="0"/>
                 <a:t>Range</a:t>
               </a:r>
-              <a:endParaRPr lang="en-US" dirty="0"/>
             </a:p>
           </p:txBody>
         </p:sp>
@@ -5767,18 +5581,13 @@
           <a:p>
             <a:pPr algn="ctr"/>
             <a:r>
-              <a:rPr lang="en-US" b="1" dirty="0" smtClean="0">
+              <a:rPr lang="en-US" b="1" dirty="0">
                 <a:solidFill>
                   <a:schemeClr val="bg1"/>
                 </a:solidFill>
               </a:rPr>
               <a:t>Last week</a:t>
             </a:r>
-            <a:endParaRPr lang="en-US" b="1" dirty="0">
-              <a:solidFill>
-                <a:schemeClr val="bg1"/>
-              </a:solidFill>
-            </a:endParaRPr>
           </a:p>
         </p:txBody>
       </p:sp>
@@ -5791,7 +5600,7 @@
         <p:spPr>
           <a:xfrm>
             <a:off x="204396" y="1787531"/>
-            <a:ext cx="11801138" cy="1569660"/>
+            <a:ext cx="11801138" cy="4524315"/>
           </a:xfrm>
           <a:prstGeom prst="rect">
             <a:avLst/>
@@ -5808,6 +5617,72 @@
               <a:buChar char="•"/>
             </a:pPr>
             <a:r>
+              <a:rPr lang="en-US" sz="3200" dirty="0" err="1"/>
+              <a:t>Homeworks</a:t>
+            </a:r>
+            <a:r>
+              <a:rPr lang="en-US" sz="3200" dirty="0"/>
+              <a:t>:</a:t>
+            </a:r>
+          </a:p>
+          <a:p>
+            <a:pPr marL="1028700" lvl="1" indent="-571500" fontAlgn="base">
+              <a:buFont typeface="Arial" charset="0"/>
+              <a:buChar char="•"/>
+            </a:pPr>
+            <a:r>
+              <a:rPr lang="en-US" sz="3200" dirty="0"/>
+              <a:t>filename: </a:t>
+            </a:r>
+          </a:p>
+          <a:p>
+            <a:pPr marL="1485900" lvl="2" indent="-571500" fontAlgn="base">
+              <a:buFont typeface="Arial" charset="0"/>
+              <a:buChar char="•"/>
+            </a:pPr>
+            <a:r>
+              <a:rPr lang="en-US" sz="3200" i="1" dirty="0"/>
+              <a:t>blackmon.hw1.doc</a:t>
+            </a:r>
+          </a:p>
+          <a:p>
+            <a:pPr marL="1028700" lvl="1" indent="-571500" fontAlgn="base">
+              <a:buFont typeface="Arial" charset="0"/>
+              <a:buChar char="•"/>
+            </a:pPr>
+            <a:r>
+              <a:rPr lang="en-US" sz="3200" dirty="0"/>
+              <a:t>numbers matter</a:t>
+            </a:r>
+          </a:p>
+          <a:p>
+            <a:pPr marL="1028700" lvl="1" indent="-571500" fontAlgn="base">
+              <a:buFont typeface="Arial" charset="0"/>
+              <a:buChar char="•"/>
+            </a:pPr>
+            <a:r>
+              <a:rPr lang="en-US" sz="3200" dirty="0"/>
+              <a:t>I will deduct for </a:t>
+            </a:r>
+            <a:r>
+              <a:rPr lang="en-US" sz="3200"/>
+              <a:t>excessive length</a:t>
+            </a:r>
+            <a:endParaRPr lang="en-US" sz="3200" dirty="0"/>
+          </a:p>
+          <a:p>
+            <a:pPr marL="1028700" lvl="1" indent="-571500" fontAlgn="base">
+              <a:buFont typeface="Arial" charset="0"/>
+              <a:buChar char="•"/>
+            </a:pPr>
+            <a:endParaRPr lang="en-US" sz="3200" dirty="0"/>
+          </a:p>
+          <a:p>
+            <a:pPr marL="571500" indent="-571500" fontAlgn="base">
+              <a:buFont typeface="Arial" charset="0"/>
+              <a:buChar char="•"/>
+            </a:pPr>
+            <a:r>
               <a:rPr lang="en-US" sz="3200" dirty="0"/>
               <a:t>What are some causes of the reproducibility crisis?</a:t>
             </a:r>
@@ -5822,10 +5697,9 @@
               <a:buChar char="•"/>
             </a:pPr>
             <a:r>
-              <a:rPr lang="en-US" sz="3200" dirty="0" smtClean="0"/>
+              <a:rPr lang="en-US" sz="3200" dirty="0"/>
               <a:t>Common problems in plots?</a:t>
             </a:r>
-            <a:endParaRPr lang="en-US" sz="3200" dirty="0"/>
           </a:p>
         </p:txBody>
       </p:sp>
@@ -5839,13 +5713,6 @@
   <p:clrMapOvr>
     <a:masterClrMapping/>
   </p:clrMapOvr>
-  <p:timing>
-    <p:tnLst>
-      <p:par>
-        <p:cTn id="1" dur="indefinite" restart="never" nodeType="tmRoot"/>
-      </p:par>
-    </p:tnLst>
-  </p:timing>
 </p:sld>
 </file>
 
@@ -6011,10 +5878,9 @@
           <a:lstStyle/>
           <a:p>
             <a:r>
-              <a:rPr lang="en-US" dirty="0" smtClean="0"/>
+              <a:rPr lang="en-US" dirty="0"/>
               <a:t>Range of all data</a:t>
             </a:r>
-            <a:endParaRPr lang="en-US" dirty="0"/>
           </a:p>
         </p:txBody>
       </p:sp>
@@ -6028,13 +5894,6 @@
   <p:clrMapOvr>
     <a:masterClrMapping/>
   </p:clrMapOvr>
-  <p:timing>
-    <p:tnLst>
-      <p:par>
-        <p:cTn id="1" dur="indefinite" restart="never" nodeType="tmRoot"/>
-      </p:par>
-    </p:tnLst>
-  </p:timing>
 </p:sld>
 </file>
 
@@ -6157,22 +6016,21 @@
           <a:lstStyle/>
           <a:p>
             <a:r>
-              <a:rPr lang="en-US" dirty="0" smtClean="0"/>
+              <a:rPr lang="en-US" dirty="0"/>
               <a:t>Data points more than 1.5</a:t>
             </a:r>
           </a:p>
           <a:p>
             <a:r>
-              <a:rPr lang="en-US" dirty="0" smtClean="0"/>
+              <a:rPr lang="en-US" dirty="0"/>
               <a:t>Interquartile ranges away </a:t>
             </a:r>
           </a:p>
           <a:p>
             <a:r>
-              <a:rPr lang="en-US" dirty="0" smtClean="0"/>
+              <a:rPr lang="en-US" dirty="0"/>
               <a:t>from the median</a:t>
             </a:r>
-            <a:endParaRPr lang="en-US" dirty="0"/>
           </a:p>
         </p:txBody>
       </p:sp>
@@ -6224,13 +6082,6 @@
   <p:clrMapOvr>
     <a:masterClrMapping/>
   </p:clrMapOvr>
-  <p:timing>
-    <p:tnLst>
-      <p:par>
-        <p:cTn id="1" dur="indefinite" restart="never" nodeType="tmRoot"/>
-      </p:par>
-    </p:tnLst>
-  </p:timing>
 </p:sld>
 </file>
 
@@ -6367,13 +6218,6 @@
   <p:clrMapOvr>
     <a:masterClrMapping/>
   </p:clrMapOvr>
-  <p:timing>
-    <p:tnLst>
-      <p:par>
-        <p:cTn id="1" dur="indefinite" restart="never" nodeType="tmRoot"/>
-      </p:par>
-    </p:tnLst>
-  </p:timing>
 </p:sld>
 </file>
 
@@ -6431,18 +6275,13 @@
           <a:p>
             <a:pPr algn="ctr"/>
             <a:r>
-              <a:rPr lang="en-US" b="1" dirty="0" smtClean="0">
+              <a:rPr lang="en-US" b="1" dirty="0">
                 <a:solidFill>
                   <a:schemeClr val="bg1"/>
                 </a:solidFill>
               </a:rPr>
               <a:t>Symbols for samples and populations</a:t>
             </a:r>
-            <a:endParaRPr lang="en-US" b="1" dirty="0">
-              <a:solidFill>
-                <a:schemeClr val="bg1"/>
-              </a:solidFill>
-            </a:endParaRPr>
           </a:p>
         </p:txBody>
       </p:sp>
@@ -6471,12 +6310,8 @@
               <a:p>
                 <a:pPr fontAlgn="base"/>
                 <a:r>
-                  <a:rPr lang="en-US" sz="3200" b="1" dirty="0" smtClean="0"/>
-                  <a:t>Samples </a:t>
-                </a:r>
-                <a:r>
                   <a:rPr lang="en-US" sz="3200" b="1" dirty="0"/>
-                  <a:t>versus Populations</a:t>
+                  <a:t>Samples versus Populations</a:t>
                 </a:r>
                 <a:endParaRPr lang="en-US" sz="3200" dirty="0"/>
               </a:p>
@@ -6484,11 +6319,7 @@
                 <a:pPr fontAlgn="base"/>
                 <a:r>
                   <a:rPr lang="en-US" sz="3200" dirty="0"/>
-                  <a:t>The mean or standard deviation statistic you calculate from your sample is an estimate of the population </a:t>
-                </a:r>
-                <a:r>
-                  <a:rPr lang="en-US" sz="3200" dirty="0" smtClean="0"/>
-                  <a:t>parameter.</a:t>
+                  <a:t>The mean or standard deviation statistic you calculate from your sample is an estimate of the population parameter.</a:t>
                 </a:r>
               </a:p>
               <a:p>
@@ -6523,7 +6354,6 @@
                   <a:rPr lang="en-US" sz="3200" dirty="0"/>
                   <a:t> : population standard deviation </a:t>
                 </a:r>
-                <a:endParaRPr lang="en-US" sz="3200" dirty="0" smtClean="0"/>
               </a:p>
               <a:p>
                 <a:pPr fontAlgn="base"/>
@@ -6545,7 +6375,7 @@
                         <m:chr m:val="̅"/>
                         <m:ctrlPr>
                           <a:rPr lang="en-US" sz="3200" i="1" smtClean="0">
-                            <a:latin typeface="Cambria Math" charset="0"/>
+                            <a:latin typeface="Cambria Math" panose="02040503050406030204" pitchFamily="18" charset="0"/>
                           </a:rPr>
                         </m:ctrlPr>
                       </m:accPr>
@@ -6972,16 +6802,8 @@
               <a:p>
                 <a:pPr fontAlgn="base"/>
                 <a:r>
-                  <a:rPr lang="en-US" sz="3200" dirty="0" smtClean="0"/>
-                  <a:t>The </a:t>
-                </a:r>
-                <a:r>
                   <a:rPr lang="en-US" sz="3200" dirty="0"/>
-                  <a:t>mean </a:t>
-                </a:r>
-                <a:r>
-                  <a:rPr lang="en-US" sz="3200" dirty="0" smtClean="0"/>
-                  <a:t>is just: </a:t>
+                  <a:t>The mean is just: </a:t>
                 </a:r>
                 <a14:m>
                   <m:oMath xmlns:m="http://schemas.openxmlformats.org/officeDocument/2006/math">
@@ -6990,7 +6812,7 @@
                         <m:chr m:val="̅"/>
                         <m:ctrlPr>
                           <a:rPr lang="en-US" sz="3200" i="1" smtClean="0">
-                            <a:latin typeface="Cambria Math" charset="0"/>
+                            <a:latin typeface="Cambria Math" panose="02040503050406030204" pitchFamily="18" charset="0"/>
                           </a:rPr>
                         </m:ctrlPr>
                       </m:accPr>
@@ -7013,7 +6835,7 @@
                       <m:fPr>
                         <m:ctrlPr>
                           <a:rPr lang="mr-IN" sz="3200" b="0" i="1" smtClean="0">
-                            <a:latin typeface="Cambria Math" charset="0"/>
+                            <a:latin typeface="Cambria Math" panose="02040503050406030204" pitchFamily="18" charset="0"/>
                           </a:rPr>
                         </m:ctrlPr>
                       </m:fPr>
@@ -7023,7 +6845,7 @@
                             <m:chr m:val="∑"/>
                             <m:ctrlPr>
                               <a:rPr lang="is-IS" sz="3200" b="0" i="1" smtClean="0">
-                                <a:latin typeface="Cambria Math" charset="0"/>
+                                <a:latin typeface="Cambria Math" panose="02040503050406030204" pitchFamily="18" charset="0"/>
                               </a:rPr>
                             </m:ctrlPr>
                           </m:naryPr>
@@ -7057,7 +6879,7 @@
                               <m:sSubPr>
                                 <m:ctrlPr>
                                   <a:rPr lang="en-US" sz="3200" b="0" i="1" smtClean="0">
-                                    <a:latin typeface="Cambria Math" charset="0"/>
+                                    <a:latin typeface="Cambria Math" panose="02040503050406030204" pitchFamily="18" charset="0"/>
                                   </a:rPr>
                                 </m:ctrlPr>
                               </m:sSubPr>
@@ -7096,21 +6918,13 @@
               </a:p>
               <a:p>
                 <a:pPr fontAlgn="base"/>
-                <a:endParaRPr lang="en-US" sz="3200" dirty="0" smtClean="0"/>
+                <a:endParaRPr lang="en-US" sz="3200" dirty="0"/>
               </a:p>
               <a:p>
                 <a:pPr fontAlgn="base"/>
                 <a:r>
-                  <a:rPr lang="en-US" sz="3200" dirty="0" smtClean="0"/>
-                  <a:t>The </a:t>
-                </a:r>
-                <a:r>
                   <a:rPr lang="en-US" sz="3200" dirty="0"/>
-                  <a:t>standard deviation </a:t>
-                </a:r>
-                <a:r>
-                  <a:rPr lang="en-US" sz="3200" dirty="0" smtClean="0"/>
-                  <a:t>is </a:t>
+                  <a:t>The standard deviation is </a:t>
                 </a:r>
                 <a14:m>
                   <m:oMath xmlns:m="http://schemas.openxmlformats.org/officeDocument/2006/math">
@@ -7131,7 +6945,7 @@
                         <m:degHide m:val="on"/>
                         <m:ctrlPr>
                           <a:rPr lang="en-US" sz="3200" b="0" i="1" smtClean="0">
-                            <a:latin typeface="Cambria Math" charset="0"/>
+                            <a:latin typeface="Cambria Math" panose="02040503050406030204" pitchFamily="18" charset="0"/>
                           </a:rPr>
                         </m:ctrlPr>
                       </m:radPr>
@@ -7141,7 +6955,7 @@
                           <m:sSupPr>
                             <m:ctrlPr>
                               <a:rPr lang="en-US" sz="3200" b="0" i="1" smtClean="0">
-                                <a:latin typeface="Cambria Math" charset="0"/>
+                                <a:latin typeface="Cambria Math" panose="02040503050406030204" pitchFamily="18" charset="0"/>
                               </a:rPr>
                             </m:ctrlPr>
                           </m:sSupPr>
@@ -7166,16 +6980,16 @@
                     </m:rad>
                   </m:oMath>
                 </a14:m>
-                <a:endParaRPr lang="en-US" sz="3200" b="0" dirty="0" smtClean="0"/>
+                <a:endParaRPr lang="en-US" sz="3200" b="0" dirty="0"/>
               </a:p>
               <a:p>
                 <a:pPr fontAlgn="base"/>
-                <a:endParaRPr lang="en-US" sz="3200" dirty="0" smtClean="0"/>
+                <a:endParaRPr lang="en-US" sz="3200" dirty="0"/>
               </a:p>
               <a:p>
                 <a:pPr fontAlgn="base"/>
                 <a:r>
-                  <a:rPr lang="en-US" sz="3200" dirty="0" smtClean="0"/>
+                  <a:rPr lang="en-US" sz="3200" dirty="0"/>
                   <a:t>Where </a:t>
                 </a:r>
                 <a14:m>
@@ -7184,7 +6998,7 @@
                       <m:sSupPr>
                         <m:ctrlPr>
                           <a:rPr lang="en-US" sz="3200" i="1">
-                            <a:latin typeface="Cambria Math" charset="0"/>
+                            <a:latin typeface="Cambria Math" panose="02040503050406030204" pitchFamily="18" charset="0"/>
                           </a:rPr>
                         </m:ctrlPr>
                       </m:sSupPr>
@@ -7208,7 +7022,7 @@
                   </m:oMath>
                 </a14:m>
                 <a:r>
-                  <a:rPr lang="en-US" sz="3200" dirty="0" smtClean="0"/>
+                  <a:rPr lang="en-US" sz="3200" dirty="0"/>
                   <a:t> or the variance is:</a:t>
                 </a:r>
                 <a14:m>
@@ -7223,7 +7037,7 @@
                       <m:sSupPr>
                         <m:ctrlPr>
                           <a:rPr lang="en-US" sz="3200" i="1" smtClean="0">
-                            <a:latin typeface="Cambria Math" charset="0"/>
+                            <a:latin typeface="Cambria Math" panose="02040503050406030204" pitchFamily="18" charset="0"/>
                           </a:rPr>
                         </m:ctrlPr>
                       </m:sSupPr>
@@ -7254,7 +7068,7 @@
                       <m:fPr>
                         <m:ctrlPr>
                           <a:rPr lang="mr-IN" sz="3200" b="0" i="1" smtClean="0">
-                            <a:latin typeface="Cambria Math" charset="0"/>
+                            <a:latin typeface="Cambria Math" panose="02040503050406030204" pitchFamily="18" charset="0"/>
                           </a:rPr>
                         </m:ctrlPr>
                       </m:fPr>
@@ -7264,7 +7078,7 @@
                             <m:chr m:val="∑"/>
                             <m:ctrlPr>
                               <a:rPr lang="is-IS" sz="3200" b="0" i="1" smtClean="0">
-                                <a:latin typeface="Cambria Math" charset="0"/>
+                                <a:latin typeface="Cambria Math" panose="02040503050406030204" pitchFamily="18" charset="0"/>
                               </a:rPr>
                             </m:ctrlPr>
                           </m:naryPr>
@@ -7298,7 +7112,7 @@
                               <m:sSupPr>
                                 <m:ctrlPr>
                                   <a:rPr lang="is-IS" sz="3200" b="0" i="1" smtClean="0">
-                                    <a:latin typeface="Cambria Math" charset="0"/>
+                                    <a:latin typeface="Cambria Math" panose="02040503050406030204" pitchFamily="18" charset="0"/>
                                   </a:rPr>
                                 </m:ctrlPr>
                               </m:sSupPr>
@@ -7307,7 +7121,7 @@
                                   <m:dPr>
                                     <m:ctrlPr>
                                       <a:rPr lang="mr-IN" sz="3200" b="0" i="1" smtClean="0">
-                                        <a:latin typeface="Cambria Math" charset="0"/>
+                                        <a:latin typeface="Cambria Math" panose="02040503050406030204" pitchFamily="18" charset="0"/>
                                       </a:rPr>
                                     </m:ctrlPr>
                                   </m:dPr>
@@ -7316,7 +7130,7 @@
                                       <m:sSubPr>
                                         <m:ctrlPr>
                                           <a:rPr lang="en-US" sz="3200" i="1">
-                                            <a:latin typeface="Cambria Math" charset="0"/>
+                                            <a:latin typeface="Cambria Math" panose="02040503050406030204" pitchFamily="18" charset="0"/>
                                           </a:rPr>
                                         </m:ctrlPr>
                                       </m:sSubPr>
@@ -7348,7 +7162,7 @@
                                         <m:chr m:val="̅"/>
                                         <m:ctrlPr>
                                           <a:rPr lang="en-US" sz="3200" i="1">
-                                            <a:latin typeface="Cambria Math" charset="0"/>
+                                            <a:latin typeface="Cambria Math" panose="02040503050406030204" pitchFamily="18" charset="0"/>
                                           </a:rPr>
                                         </m:ctrlPr>
                                       </m:accPr>
@@ -7396,10 +7210,6 @@
                 <a:endParaRPr lang="en-US" sz="3200" dirty="0"/>
               </a:p>
               <a:p>
-                <a:r>
-                  <a:rPr lang="en-US" sz="3200" dirty="0"/>
-                  <a:t/>
-                </a:r>
                 <a:br>
                   <a:rPr lang="en-US" sz="3200" dirty="0"/>
                 </a:br>
@@ -7691,22 +7501,9 @@
               <a:buChar char="•"/>
             </a:pPr>
             <a:r>
-              <a:rPr lang="en-US" sz="2800" dirty="0" smtClean="0"/>
-              <a:t>Imagine </a:t>
-            </a:r>
-            <a:r>
               <a:rPr lang="en-US" sz="2800" dirty="0"/>
-              <a:t>that we sample from the same population many times, so we have a bunch of different, independent </a:t>
-            </a:r>
-            <a:r>
-              <a:rPr lang="en-US" sz="2800" dirty="0" smtClean="0"/>
-              <a:t>samples.</a:t>
-            </a:r>
-            <a:r>
-              <a:rPr lang="en-US" sz="2800" dirty="0"/>
-              <a:t> </a:t>
-            </a:r>
-            <a:endParaRPr lang="en-US" sz="2800" dirty="0" smtClean="0"/>
+              <a:t>Imagine that we sample from the same population many times, so we have a bunch of different, independent samples. </a:t>
+            </a:r>
           </a:p>
           <a:p>
             <a:pPr marL="457200" indent="-457200" fontAlgn="base">
@@ -7722,11 +7519,7 @@
             </a:pPr>
             <a:r>
               <a:rPr lang="en-US" sz="2800" dirty="0"/>
-              <a:t>Each sample will have a mean, but the means will be different due to chance  In principle, we could draw a histogram of these </a:t>
-            </a:r>
-            <a:r>
-              <a:rPr lang="en-US" sz="2800" dirty="0" smtClean="0"/>
-              <a:t>means.</a:t>
+              <a:t>Each sample will have a mean, but the means will be different due to chance  In principle, we could draw a histogram of these means.</a:t>
             </a:r>
           </a:p>
           <a:p>
@@ -7743,11 +7536,7 @@
             </a:pPr>
             <a:r>
               <a:rPr lang="en-US" sz="2800" dirty="0"/>
-              <a:t>In general, you only have one sample from a given population, however, so what can you infer about the distribution of the means from your sample</a:t>
-            </a:r>
-            <a:r>
-              <a:rPr lang="en-US" sz="2800" dirty="0" smtClean="0"/>
-              <a:t>?</a:t>
+              <a:t>In general, you only have one sample from a given population, however, so what can you infer about the distribution of the means from your sample?</a:t>
             </a:r>
           </a:p>
           <a:p>
@@ -7764,13 +7553,8 @@
             </a:pPr>
             <a:r>
               <a:rPr lang="en-US" sz="2800" dirty="0"/>
-              <a:t>The Central Limit Theorem states that regardless of the underlying population distribution of the variable of interest, the distribution of the population of means will be roughly </a:t>
-            </a:r>
-            <a:r>
-              <a:rPr lang="en-US" sz="2800" dirty="0" smtClean="0"/>
-              <a:t>normal.</a:t>
-            </a:r>
-            <a:endParaRPr lang="en-US" sz="2800" dirty="0"/>
+              <a:t>The Central Limit Theorem states that regardless of the underlying population distribution of the variable of interest, the distribution of the population of means will be roughly normal.</a:t>
+            </a:r>
           </a:p>
         </p:txBody>
       </p:sp>
@@ -8102,22 +7886,9 @@
               <a:p>
                 <a:pPr fontAlgn="base"/>
                 <a:r>
-                  <a:rPr lang="en-US" sz="3200" dirty="0" smtClean="0"/>
-                  <a:t>Your </a:t>
+                  <a:rPr lang="en-US" sz="3200" dirty="0"/>
+                  <a:t>Your estimate of the sample mean is an estimate of the mean of this distribution of means (that is, it’s your best estimate of the population mean).  </a:t>
                 </a:r>
-                <a:r>
-                  <a:rPr lang="en-US" sz="3200" dirty="0"/>
-                  <a:t>estimate of the sample mean is an estimate of the mean of this distribution of means (that is, it’s your best estimate of the population mean</a:t>
-                </a:r>
-                <a:r>
-                  <a:rPr lang="en-US" sz="3200" dirty="0" smtClean="0"/>
-                  <a:t>). </a:t>
-                </a:r>
-                <a:r>
-                  <a:rPr lang="en-US" sz="3200" dirty="0"/>
-                  <a:t> </a:t>
-                </a:r>
-                <a:endParaRPr lang="en-US" sz="3200" dirty="0" smtClean="0"/>
               </a:p>
               <a:p>
                 <a:pPr fontAlgn="base"/>
@@ -8127,11 +7898,7 @@
                 <a:pPr fontAlgn="base"/>
                 <a:r>
                   <a:rPr lang="en-US" sz="3200" dirty="0"/>
-                  <a:t>The hypothetical distribution of sample means has a standard deviation equal to s divided by the square root of </a:t>
-                </a:r>
-                <a:r>
-                  <a:rPr lang="en-US" sz="3200" dirty="0" smtClean="0"/>
-                  <a:t>n.</a:t>
+                  <a:t>The hypothetical distribution of sample means has a standard deviation equal to s divided by the square root of n.</a:t>
                 </a:r>
               </a:p>
               <a:p>
@@ -8146,7 +7913,7 @@
                       <m:sSubPr>
                         <m:ctrlPr>
                           <a:rPr lang="en-US" sz="3200" i="1" smtClean="0">
-                            <a:latin typeface="Cambria Math" charset="0"/>
+                            <a:latin typeface="Cambria Math" panose="02040503050406030204" pitchFamily="18" charset="0"/>
                           </a:rPr>
                         </m:ctrlPr>
                       </m:sSubPr>
@@ -8164,7 +7931,7 @@
                             <m:chr m:val="̅"/>
                             <m:ctrlPr>
                               <a:rPr lang="en-US" sz="3200" i="1" smtClean="0">
-                                <a:latin typeface="Cambria Math" charset="0"/>
+                                <a:latin typeface="Cambria Math" panose="02040503050406030204" pitchFamily="18" charset="0"/>
                               </a:rPr>
                             </m:ctrlPr>
                           </m:accPr>
@@ -8189,7 +7956,7 @@
                       <m:fPr>
                         <m:ctrlPr>
                           <a:rPr lang="mr-IN" sz="3200" b="0" i="1" smtClean="0">
-                            <a:latin typeface="Cambria Math" charset="0"/>
+                            <a:latin typeface="Cambria Math" panose="02040503050406030204" pitchFamily="18" charset="0"/>
                           </a:rPr>
                         </m:ctrlPr>
                       </m:fPr>
@@ -8207,7 +7974,7 @@
                             <m:degHide m:val="on"/>
                             <m:ctrlPr>
                               <a:rPr lang="mr-IN" sz="3200" b="0" i="1" smtClean="0">
-                                <a:latin typeface="Cambria Math" charset="0"/>
+                                <a:latin typeface="Cambria Math" panose="02040503050406030204" pitchFamily="18" charset="0"/>
                               </a:rPr>
                             </m:ctrlPr>
                           </m:radPr>
@@ -8232,25 +7999,13 @@
               </a:p>
               <a:p>
                 <a:pPr fontAlgn="base"/>
-                <a:endParaRPr lang="en-US" sz="3200" dirty="0" smtClean="0"/>
+                <a:endParaRPr lang="en-US" sz="3200" dirty="0"/>
               </a:p>
               <a:p>
                 <a:pPr fontAlgn="base"/>
                 <a:r>
-                  <a:rPr lang="en-US" sz="3200" dirty="0" smtClean="0"/>
-                  <a:t>We </a:t>
-                </a:r>
-                <a:r>
                   <a:rPr lang="en-US" sz="3200" dirty="0"/>
-                  <a:t>call this standard deviation the standard error of the </a:t>
-                </a:r>
-                <a:r>
-                  <a:rPr lang="en-US" sz="3200" dirty="0" smtClean="0"/>
-                  <a:t>mean (SEM).</a:t>
-                </a:r>
-                <a:r>
-                  <a:rPr lang="en-US" sz="3200" dirty="0"/>
-                  <a:t> </a:t>
+                  <a:t>We call this standard deviation the standard error of the mean (SEM). </a:t>
                 </a:r>
               </a:p>
             </p:txBody>
@@ -8585,10 +8340,9 @@
           <a:p>
             <a:pPr fontAlgn="base"/>
             <a:r>
-              <a:rPr lang="en-US" sz="3200" dirty="0" smtClean="0"/>
+              <a:rPr lang="en-US" sz="3200" dirty="0"/>
               <a:t>Lets try that</a:t>
             </a:r>
-            <a:endParaRPr lang="en-US" sz="3200" dirty="0"/>
           </a:p>
         </p:txBody>
       </p:sp>
@@ -8602,13 +8356,6 @@
   <p:clrMapOvr>
     <a:masterClrMapping/>
   </p:clrMapOvr>
-  <p:timing>
-    <p:tnLst>
-      <p:par>
-        <p:cTn id="1" dur="indefinite" restart="never" nodeType="tmRoot"/>
-      </p:par>
-    </p:tnLst>
-  </p:timing>
 </p:sld>
 </file>
 
@@ -8716,13 +8463,6 @@
   <p:clrMapOvr>
     <a:masterClrMapping/>
   </p:clrMapOvr>
-  <p:timing>
-    <p:tnLst>
-      <p:par>
-        <p:cTn id="1" dur="indefinite" restart="never" nodeType="tmRoot"/>
-      </p:par>
-    </p:tnLst>
-  </p:timing>
 </p:sld>
 </file>
 
@@ -8817,11 +8557,7 @@
             </a:pPr>
             <a:r>
               <a:rPr lang="en-US" sz="3200" dirty="0"/>
-              <a:t>Error bars can be a useful way to show uncertainty when it’s not possible to show the actual data points</a:t>
-            </a:r>
-            <a:r>
-              <a:rPr lang="en-US" sz="3200" dirty="0" smtClean="0"/>
-              <a:t>.</a:t>
+              <a:t>Error bars can be a useful way to show uncertainty when it’s not possible to show the actual data points.</a:t>
             </a:r>
           </a:p>
           <a:p>
@@ -8838,11 +8574,7 @@
             </a:pPr>
             <a:r>
               <a:rPr lang="en-US" sz="3200" dirty="0"/>
-              <a:t>Usually, they represent 1 SE or the 95% CI, but not always</a:t>
-            </a:r>
-            <a:r>
-              <a:rPr lang="en-US" sz="3200" dirty="0" smtClean="0"/>
-              <a:t>.</a:t>
+              <a:t>Usually, they represent 1 SE or the 95% CI, but not always.</a:t>
             </a:r>
           </a:p>
           <a:p>
@@ -8904,13 +8636,6 @@
   <p:clrMapOvr>
     <a:masterClrMapping/>
   </p:clrMapOvr>
-  <p:timing>
-    <p:tnLst>
-      <p:par>
-        <p:cTn id="1" dur="indefinite" restart="never" nodeType="tmRoot"/>
-      </p:par>
-    </p:tnLst>
-  </p:timing>
 </p:sld>
 </file>
 
@@ -8966,18 +8691,13 @@
           <a:p>
             <a:pPr algn="ctr"/>
             <a:r>
-              <a:rPr lang="en-US" b="1" dirty="0" smtClean="0">
+              <a:rPr lang="en-US" b="1" dirty="0">
                 <a:solidFill>
                   <a:schemeClr val="bg1"/>
                 </a:solidFill>
               </a:rPr>
               <a:t>Today</a:t>
             </a:r>
-            <a:endParaRPr lang="en-US" b="1" dirty="0">
-              <a:solidFill>
-                <a:schemeClr val="bg1"/>
-              </a:solidFill>
-            </a:endParaRPr>
           </a:p>
         </p:txBody>
       </p:sp>
@@ -9007,10 +8727,9 @@
               <a:buAutoNum type="arabicPeriod"/>
             </a:pPr>
             <a:r>
-              <a:rPr lang="en-US" sz="4000" dirty="0" smtClean="0"/>
+              <a:rPr lang="en-US" sz="4000" dirty="0"/>
               <a:t>Terminology</a:t>
             </a:r>
-            <a:endParaRPr lang="en-US" sz="4000" dirty="0"/>
           </a:p>
           <a:p>
             <a:pPr marL="742950" indent="-742950" fontAlgn="base">
@@ -9019,13 +8738,8 @@
             </a:pPr>
             <a:r>
               <a:rPr lang="en-US" sz="4000" dirty="0"/>
-              <a:t>Summarizing </a:t>
-            </a:r>
-            <a:r>
-              <a:rPr lang="en-US" sz="4000" dirty="0" smtClean="0"/>
-              <a:t>Data</a:t>
-            </a:r>
-            <a:endParaRPr lang="en-US" sz="4000" dirty="0"/>
+              <a:t>Summarizing Data</a:t>
+            </a:r>
           </a:p>
           <a:p>
             <a:pPr marL="742950" indent="-742950" fontAlgn="base">
@@ -9034,13 +8748,8 @@
             </a:pPr>
             <a:r>
               <a:rPr lang="en-US" sz="4000" dirty="0"/>
-              <a:t>Central Limit </a:t>
-            </a:r>
-            <a:r>
-              <a:rPr lang="en-US" sz="4000" dirty="0" smtClean="0"/>
-              <a:t>Theorem</a:t>
-            </a:r>
-            <a:endParaRPr lang="en-US" sz="4000" dirty="0"/>
+              <a:t>Central Limit Theorem</a:t>
+            </a:r>
           </a:p>
           <a:p>
             <a:pPr marL="742950" indent="-742950" fontAlgn="base">
@@ -9064,13 +8773,6 @@
   <p:clrMapOvr>
     <a:masterClrMapping/>
   </p:clrMapOvr>
-  <p:timing>
-    <p:tnLst>
-      <p:par>
-        <p:cTn id="1" dur="indefinite" restart="never" nodeType="tmRoot"/>
-      </p:par>
-    </p:tnLst>
-  </p:timing>
 </p:sld>
 </file>
 
@@ -9128,18 +8830,13 @@
           <a:p>
             <a:pPr algn="ctr"/>
             <a:r>
-              <a:rPr lang="en-US" b="1" dirty="0" smtClean="0">
+              <a:rPr lang="en-US" b="1" dirty="0">
                 <a:solidFill>
                   <a:schemeClr val="bg1"/>
                 </a:solidFill>
               </a:rPr>
               <a:t>For Thursday</a:t>
             </a:r>
-            <a:endParaRPr lang="en-US" b="1" dirty="0">
-              <a:solidFill>
-                <a:schemeClr val="bg1"/>
-              </a:solidFill>
-            </a:endParaRPr>
           </a:p>
         </p:txBody>
       </p:sp>
@@ -9170,55 +8867,30 @@
             </a:pPr>
             <a:r>
               <a:rPr lang="en-US" sz="3200" dirty="0"/>
-              <a:t>Read chapters </a:t>
-            </a:r>
-            <a:r>
-              <a:rPr lang="en-US" sz="3200" dirty="0" smtClean="0"/>
-              <a:t>3 </a:t>
-            </a:r>
-            <a:r>
-              <a:rPr lang="en-US" sz="3200" dirty="0" smtClean="0"/>
-              <a:t>WS</a:t>
-            </a:r>
-            <a:endParaRPr lang="en-US" sz="3200" dirty="0"/>
+              <a:t>Read chapters 3 WS</a:t>
+            </a:r>
           </a:p>
           <a:p>
             <a:pPr marL="514350" indent="-514350" fontAlgn="base">
               <a:buFont typeface="+mj-lt"/>
               <a:buAutoNum type="arabicPeriod"/>
             </a:pPr>
-            <a:endParaRPr lang="en-US" sz="3200" dirty="0" smtClean="0"/>
+            <a:endParaRPr lang="en-US" sz="3200" dirty="0"/>
           </a:p>
           <a:p>
             <a:pPr fontAlgn="base"/>
-            <a:r>
-              <a:rPr lang="en-US" sz="3200" b="1" dirty="0" smtClean="0">
-                <a:solidFill>
-                  <a:srgbClr val="C00000"/>
-                </a:solidFill>
-              </a:rPr>
-              <a:t>Bring </a:t>
-            </a:r>
             <a:r>
               <a:rPr lang="en-US" sz="3200" b="1" dirty="0">
                 <a:solidFill>
                   <a:srgbClr val="C00000"/>
                 </a:solidFill>
               </a:rPr>
-              <a:t>laptop to class</a:t>
-            </a:r>
-            <a:r>
-              <a:rPr lang="en-US" sz="3200" b="1" dirty="0" smtClean="0">
-                <a:solidFill>
-                  <a:srgbClr val="C00000"/>
-                </a:solidFill>
-              </a:rPr>
-              <a:t>!</a:t>
+              <a:t>Bring laptop to class!</a:t>
             </a:r>
           </a:p>
           <a:p>
             <a:pPr fontAlgn="base"/>
-            <a:endParaRPr lang="en-US" sz="3200" b="1" dirty="0" smtClean="0">
+            <a:endParaRPr lang="en-US" sz="3200" b="1" dirty="0">
               <a:solidFill>
                 <a:srgbClr val="C00000"/>
               </a:solidFill>
@@ -9264,13 +8936,6 @@
   <p:clrMapOvr>
     <a:masterClrMapping/>
   </p:clrMapOvr>
-  <p:timing>
-    <p:tnLst>
-      <p:par>
-        <p:cTn id="1" dur="indefinite" restart="never" nodeType="tmRoot"/>
-      </p:par>
-    </p:tnLst>
-  </p:timing>
 </p:sld>
 </file>
 
@@ -9364,59 +9029,31 @@
               <a:buChar char="•"/>
             </a:pPr>
             <a:r>
-              <a:rPr lang="en-US" sz="3200" dirty="0" smtClean="0"/>
-              <a:t>Lets </a:t>
-            </a:r>
-            <a:r>
               <a:rPr lang="en-US" sz="3200" dirty="0"/>
-              <a:t>demonstrate </a:t>
-            </a:r>
-            <a:r>
-              <a:rPr lang="en-US" sz="3200" dirty="0" smtClean="0"/>
-              <a:t>that the means of samples </a:t>
-            </a:r>
+              <a:t>Lets demonstrate that the means of samples from an exponential distribution are normally distributed.</a:t>
+            </a:r>
+          </a:p>
+          <a:p>
+            <a:pPr fontAlgn="base"/>
+            <a:endParaRPr lang="en-US" sz="3200" dirty="0"/>
+          </a:p>
+          <a:p>
+            <a:pPr lvl="2" fontAlgn="base"/>
             <a:r>
               <a:rPr lang="en-US" sz="3200" dirty="0"/>
-              <a:t>from an exponential distribution </a:t>
-            </a:r>
-            <a:r>
-              <a:rPr lang="en-US" sz="3200" dirty="0" smtClean="0"/>
-              <a:t>are </a:t>
-            </a:r>
-            <a:r>
-              <a:rPr lang="en-US" sz="3200" dirty="0"/>
-              <a:t>normally distributed.</a:t>
-            </a:r>
-          </a:p>
-          <a:p>
-            <a:pPr fontAlgn="base"/>
-            <a:endParaRPr lang="en-US" sz="3200" dirty="0" smtClean="0"/>
-          </a:p>
-          <a:p>
-            <a:pPr lvl="2" fontAlgn="base"/>
-            <a:r>
-              <a:rPr lang="en-US" sz="3200" dirty="0" smtClean="0"/>
-              <a:t>You </a:t>
-            </a:r>
-            <a:r>
-              <a:rPr lang="en-US" sz="3200" dirty="0"/>
-              <a:t>will need:</a:t>
+              <a:t>You will need:</a:t>
             </a:r>
             <a:br>
               <a:rPr lang="en-US" sz="3200" dirty="0"/>
             </a:br>
             <a:r>
-              <a:rPr lang="en-US" sz="3200" dirty="0" smtClean="0">
+              <a:rPr lang="en-US" sz="3200" dirty="0">
                 <a:latin typeface="Andale Mono" charset="0"/>
                 <a:ea typeface="Andale Mono" charset="0"/>
                 <a:cs typeface="Andale Mono" charset="0"/>
               </a:rPr>
               <a:t>rexp, hist, mean</a:t>
             </a:r>
-            <a:r>
-              <a:rPr lang="en-US" sz="3200" dirty="0"/>
-              <a:t/>
-            </a:r>
             <a:br>
               <a:rPr lang="en-US" sz="3200" dirty="0"/>
             </a:br>
@@ -9425,25 +9062,20 @@
           <a:p>
             <a:pPr lvl="2" fontAlgn="base"/>
             <a:r>
-              <a:rPr lang="en-US" sz="3200" dirty="0" smtClean="0"/>
+              <a:rPr lang="en-US" sz="3200" dirty="0"/>
               <a:t>Might use:</a:t>
             </a:r>
           </a:p>
           <a:p>
             <a:pPr lvl="2" fontAlgn="base"/>
             <a:r>
-              <a:rPr lang="en-US" sz="3200" dirty="0" smtClean="0">
+              <a:rPr lang="en-US" sz="3200" dirty="0">
                 <a:latin typeface="Andale Mono" charset="0"/>
                 <a:ea typeface="Andale Mono" charset="0"/>
                 <a:cs typeface="Andale Mono" charset="0"/>
               </a:rPr>
               <a:t>for, sample</a:t>
             </a:r>
-            <a:endParaRPr lang="en-US" sz="3200" dirty="0">
-              <a:latin typeface="Andale Mono" charset="0"/>
-              <a:ea typeface="Andale Mono" charset="0"/>
-              <a:cs typeface="Andale Mono" charset="0"/>
-            </a:endParaRPr>
           </a:p>
         </p:txBody>
       </p:sp>
@@ -9457,13 +9089,6 @@
   <p:clrMapOvr>
     <a:masterClrMapping/>
   </p:clrMapOvr>
-  <p:timing>
-    <p:tnLst>
-      <p:par>
-        <p:cTn id="1" dur="indefinite" restart="never" nodeType="tmRoot"/>
-      </p:par>
-    </p:tnLst>
-  </p:timing>
 </p:sld>
 </file>
 
@@ -9571,13 +9196,6 @@
   <p:clrMapOvr>
     <a:masterClrMapping/>
   </p:clrMapOvr>
-  <p:timing>
-    <p:tnLst>
-      <p:par>
-        <p:cTn id="1" dur="indefinite" restart="never" nodeType="tmRoot"/>
-      </p:par>
-    </p:tnLst>
-  </p:timing>
 </p:sld>
 </file>
 
@@ -9669,23 +9287,15 @@
               <a:buChar char="•"/>
             </a:pPr>
             <a:r>
-              <a:rPr lang="en-US" sz="3600" b="1" dirty="0" smtClean="0"/>
+              <a:rPr lang="en-US" sz="3600" b="1" dirty="0"/>
               <a:t>Populations</a:t>
-            </a:r>
-            <a:r>
-              <a:rPr lang="en-US" sz="3600" dirty="0"/>
-              <a:t/>
             </a:r>
             <a:br>
               <a:rPr lang="en-US" sz="3600" dirty="0"/>
             </a:br>
             <a:r>
-              <a:rPr lang="en-US" sz="3600" dirty="0" smtClean="0"/>
-              <a:t>Some </a:t>
-            </a:r>
-            <a:r>
               <a:rPr lang="en-US" sz="3600" dirty="0"/>
-              <a:t>sort of group of something - could be anything</a:t>
+              <a:t>Some sort of group of something - could be anything</a:t>
             </a:r>
           </a:p>
           <a:p>
@@ -9694,18 +9304,9 @@
               <a:buChar char="•"/>
             </a:pPr>
             <a:r>
-              <a:rPr lang="en-US" sz="3600" dirty="0" smtClean="0"/>
-              <a:t>Undergraduates </a:t>
-            </a:r>
-            <a:r>
               <a:rPr lang="en-US" sz="3600" dirty="0"/>
-              <a:t>at Texas </a:t>
-            </a:r>
-            <a:r>
-              <a:rPr lang="en-US" sz="3600" dirty="0" smtClean="0"/>
-              <a:t>A&amp;M</a:t>
-            </a:r>
-            <a:endParaRPr lang="en-US" sz="3600" dirty="0"/>
+              <a:t>Undergraduates at Texas A&amp;M</a:t>
+            </a:r>
           </a:p>
           <a:p>
             <a:pPr marL="1028700" lvl="1" indent="-571500" fontAlgn="base">
@@ -9713,18 +9314,9 @@
               <a:buChar char="•"/>
             </a:pPr>
             <a:r>
-              <a:rPr lang="en-US" sz="3600" dirty="0" smtClean="0"/>
-              <a:t>Jewel </a:t>
-            </a:r>
-            <a:r>
               <a:rPr lang="en-US" sz="3600" dirty="0"/>
-              <a:t>beetles in </a:t>
-            </a:r>
-            <a:r>
-              <a:rPr lang="en-US" sz="3600" dirty="0" smtClean="0"/>
-              <a:t>Arizona</a:t>
-            </a:r>
-            <a:endParaRPr lang="en-US" sz="3600" dirty="0"/>
+              <a:t>Jewel beetles in Arizona</a:t>
+            </a:r>
           </a:p>
           <a:p>
             <a:pPr marL="1028700" lvl="1" indent="-571500" fontAlgn="base">
@@ -9732,22 +9324,16 @@
               <a:buChar char="•"/>
             </a:pPr>
             <a:r>
-              <a:rPr lang="en-US" sz="3600" dirty="0" smtClean="0"/>
-              <a:t>Strain </a:t>
-            </a:r>
-            <a:r>
               <a:rPr lang="en-US" sz="3600" dirty="0"/>
-              <a:t>of flies in the lab </a:t>
-            </a:r>
-            <a:endParaRPr lang="en-US" sz="3600" dirty="0" smtClean="0"/>
+              <a:t>Strain of flies in the lab </a:t>
+            </a:r>
           </a:p>
           <a:p>
             <a:pPr fontAlgn="base"/>
             <a:r>
-              <a:rPr lang="en-US" sz="3600" dirty="0" smtClean="0"/>
+              <a:rPr lang="en-US" sz="3600" dirty="0"/>
               <a:t> </a:t>
             </a:r>
-            <a:endParaRPr lang="en-US" sz="3600" dirty="0"/>
           </a:p>
           <a:p>
             <a:pPr marL="571500" indent="-571500" fontAlgn="base">
@@ -9755,7 +9341,7 @@
               <a:buChar char="•"/>
             </a:pPr>
             <a:r>
-              <a:rPr lang="en-US" sz="3600" b="1" dirty="0" smtClean="0"/>
+              <a:rPr lang="en-US" sz="3600" b="1" dirty="0"/>
               <a:t>Samples</a:t>
             </a:r>
             <a:endParaRPr lang="en-US" sz="3600" dirty="0"/>
@@ -10011,16 +9597,8 @@
           <a:p>
             <a:pPr fontAlgn="base"/>
             <a:r>
-              <a:rPr lang="en-US" sz="2800" i="1" dirty="0" smtClean="0"/>
-              <a:t>We </a:t>
-            </a:r>
-            <a:r>
               <a:rPr lang="en-US" sz="2800" i="1" dirty="0"/>
-              <a:t>wanted to examine any association between the severity of injuries, and the height from which cats fall in high-rise buildings</a:t>
-            </a:r>
-            <a:r>
-              <a:rPr lang="en-US" sz="2800" i="1" dirty="0" smtClean="0"/>
-              <a:t>.</a:t>
+              <a:t>We wanted to examine any association between the severity of injuries, and the height from which cats fall in high-rise buildings.</a:t>
             </a:r>
           </a:p>
           <a:p>
@@ -10031,19 +9609,7 @@
             <a:pPr fontAlgn="base"/>
             <a:r>
               <a:rPr lang="en-US" sz="2800" i="1" dirty="0"/>
-              <a:t>In the period between January 1, 1998 and December 12, 2001 at the Clinic of Surgery, </a:t>
-            </a:r>
-            <a:r>
-              <a:rPr lang="en-US" sz="2800" i="1" dirty="0" smtClean="0"/>
-              <a:t>Orthopedics </a:t>
-            </a:r>
-            <a:r>
-              <a:rPr lang="en-US" sz="2800" i="1" dirty="0"/>
-              <a:t>and Ophthalmology of the Veterinary Faculty, 119 cats were treated after a fall or jump from a balcony or window, where the owners saw the fall, or where there was a reasonable suspicion that a fall had occurred. Only those cats that fell from the second or higher stories were included. The owners brought the cats for treatment within varying periods of time after the fall (from 30 min to over a month</a:t>
-            </a:r>
-            <a:r>
-              <a:rPr lang="en-US" sz="2800" i="1" dirty="0" smtClean="0"/>
-              <a:t>).</a:t>
+              <a:t>In the period between January 1, 1998 and December 12, 2001 at the Clinic of Surgery, Orthopedics and Ophthalmology of the Veterinary Faculty, 119 cats were treated after a fall or jump from a balcony or window, where the owners saw the fall, or where there was a reasonable suspicion that a fall had occurred. Only those cats that fell from the second or higher stories were included. The owners brought the cats for treatment within varying periods of time after the fall (from 30 min to over a month).</a:t>
             </a:r>
           </a:p>
           <a:p>
@@ -10081,13 +9647,6 @@
   <p:clrMapOvr>
     <a:masterClrMapping/>
   </p:clrMapOvr>
-  <p:timing>
-    <p:tnLst>
-      <p:par>
-        <p:cTn id="1" dur="indefinite" restart="never" nodeType="tmRoot"/>
-      </p:par>
-    </p:tnLst>
-  </p:timing>
 </p:sld>
 </file>
 
@@ -10176,12 +9735,8 @@
           <a:p>
             <a:pPr fontAlgn="base"/>
             <a:r>
-              <a:rPr lang="en-US" sz="3200" b="1" dirty="0" smtClean="0"/>
-              <a:t>Target </a:t>
-            </a:r>
-            <a:r>
               <a:rPr lang="en-US" sz="3200" b="1" dirty="0"/>
-              <a:t>population</a:t>
+              <a:t>Target population</a:t>
             </a:r>
             <a:endParaRPr lang="en-US" sz="3200" dirty="0"/>
           </a:p>
@@ -10192,11 +9747,7 @@
             </a:pPr>
             <a:r>
               <a:rPr lang="en-US" sz="3200" dirty="0"/>
-              <a:t>Need to sample a representative </a:t>
-            </a:r>
-            <a:r>
-              <a:rPr lang="en-US" sz="3200" dirty="0" smtClean="0"/>
-              <a:t>population</a:t>
+              <a:t>Need to sample a representative population</a:t>
             </a:r>
           </a:p>
           <a:p>
@@ -10205,14 +9756,9 @@
               <a:buChar char="•"/>
             </a:pPr>
             <a:r>
-              <a:rPr lang="en-US" sz="3200" dirty="0" smtClean="0"/>
-              <a:t>A </a:t>
-            </a:r>
-            <a:r>
               <a:rPr lang="en-US" sz="3200" dirty="0"/>
-              <a:t>sample of people from College Station, for instance, would probably not be representative of New Yorkers </a:t>
-            </a:r>
-            <a:endParaRPr lang="en-US" sz="3200" dirty="0" smtClean="0"/>
+              <a:t>A sample of people from College Station, for instance, would probably not be representative of New Yorkers </a:t>
+            </a:r>
           </a:p>
           <a:p>
             <a:pPr marL="457200" indent="-457200" fontAlgn="base">
@@ -10254,13 +9800,6 @@
   <p:clrMapOvr>
     <a:masterClrMapping/>
   </p:clrMapOvr>
-  <p:timing>
-    <p:tnLst>
-      <p:par>
-        <p:cTn id="1" dur="indefinite" restart="never" nodeType="tmRoot"/>
-      </p:par>
-    </p:tnLst>
-  </p:timing>
 </p:sld>
 </file>
 
@@ -10349,18 +9888,13 @@
           <a:p>
             <a:pPr fontAlgn="base"/>
             <a:r>
-              <a:rPr lang="en-US" sz="3600" b="1" dirty="0" smtClean="0"/>
+              <a:rPr lang="en-US" sz="3600" b="1" dirty="0"/>
               <a:t>Parameter</a:t>
             </a:r>
             <a:r>
-              <a:rPr lang="en-US" sz="3600" dirty="0" smtClean="0"/>
-              <a:t>: Population-level </a:t>
-            </a:r>
-            <a:r>
               <a:rPr lang="en-US" sz="3600" dirty="0"/>
-              <a:t>variables we are trying to estimate </a:t>
-            </a:r>
-            <a:endParaRPr lang="en-US" sz="3600" dirty="0" smtClean="0"/>
+              <a:t>: Population-level variables we are trying to estimate </a:t>
+            </a:r>
           </a:p>
           <a:p>
             <a:pPr fontAlgn="base"/>
@@ -10370,21 +9904,12 @@
             <a:pPr fontAlgn="base"/>
             <a:r>
               <a:rPr lang="en-US" sz="3600" b="1" dirty="0"/>
-              <a:t>Estimate or </a:t>
-            </a:r>
-            <a:r>
-              <a:rPr lang="en-US" sz="3600" b="1" dirty="0" smtClean="0"/>
-              <a:t>Statistic</a:t>
-            </a:r>
-            <a:r>
-              <a:rPr lang="en-US" sz="3600" dirty="0" smtClean="0"/>
-              <a:t>: The </a:t>
+              <a:t>Estimate or Statistic</a:t>
             </a:r>
             <a:r>
               <a:rPr lang="en-US" sz="3600" dirty="0"/>
-              <a:t>value of the parameter inferred from the sample </a:t>
-            </a:r>
-            <a:endParaRPr lang="en-US" sz="3600" dirty="0" smtClean="0"/>
+              <a:t>: The value of the parameter inferred from the sample </a:t>
+            </a:r>
           </a:p>
           <a:p>
             <a:pPr fontAlgn="base"/>
@@ -10393,26 +9918,13 @@
           <a:p>
             <a:pPr fontAlgn="base"/>
             <a:r>
-              <a:rPr lang="en-US" sz="3600" b="1" dirty="0" smtClean="0"/>
+              <a:rPr lang="en-US" sz="3600" b="1" dirty="0"/>
               <a:t>Bias</a:t>
             </a:r>
             <a:r>
-              <a:rPr lang="en-US" sz="3600" dirty="0" smtClean="0"/>
-              <a:t>: If </a:t>
-            </a:r>
-            <a:r>
               <a:rPr lang="en-US" sz="3600" dirty="0"/>
-              <a:t>something about the sampling procedure causes the sample to systematically misrepresent the </a:t>
-            </a:r>
-            <a:r>
-              <a:rPr lang="en-US" sz="3600" dirty="0" smtClean="0"/>
-              <a:t>population.</a:t>
-            </a:r>
-            <a:r>
-              <a:rPr lang="en-US" sz="3600" dirty="0"/>
-              <a:t> </a:t>
-            </a:r>
-            <a:endParaRPr lang="en-US" sz="3600" dirty="0" smtClean="0"/>
+              <a:t>: If something about the sampling procedure causes the sample to systematically misrepresent the population. </a:t>
+            </a:r>
           </a:p>
           <a:p>
             <a:pPr fontAlgn="base"/>
@@ -10421,16 +9933,12 @@
           <a:p>
             <a:pPr fontAlgn="base"/>
             <a:r>
-              <a:rPr lang="en-US" sz="3600" b="1" dirty="0" smtClean="0"/>
+              <a:rPr lang="en-US" sz="3600" b="1" dirty="0"/>
               <a:t>Precision</a:t>
             </a:r>
             <a:r>
-              <a:rPr lang="en-US" sz="3600" dirty="0" smtClean="0"/>
-              <a:t>: How </a:t>
-            </a:r>
-            <a:r>
               <a:rPr lang="en-US" sz="3600" dirty="0"/>
-              <a:t>tightly grouped are the estimates?</a:t>
+              <a:t>: How tightly grouped are the estimates?</a:t>
             </a:r>
           </a:p>
         </p:txBody>
@@ -10677,18 +10185,13 @@
           <a:p>
             <a:pPr algn="ctr"/>
             <a:r>
-              <a:rPr lang="en-US" b="1" dirty="0" smtClean="0">
+              <a:rPr lang="en-US" b="1" dirty="0">
                 <a:solidFill>
                   <a:schemeClr val="bg1"/>
                 </a:solidFill>
               </a:rPr>
               <a:t>Accuracy vs Precision</a:t>
             </a:r>
-            <a:endParaRPr lang="en-US" b="1" dirty="0">
-              <a:solidFill>
-                <a:schemeClr val="bg1"/>
-              </a:solidFill>
-            </a:endParaRPr>
           </a:p>
         </p:txBody>
       </p:sp>
@@ -10790,13 +10293,6 @@
   <p:clrMapOvr>
     <a:masterClrMapping/>
   </p:clrMapOvr>
-  <p:timing>
-    <p:tnLst>
-      <p:par>
-        <p:cTn id="1" dur="indefinite" restart="never" nodeType="tmRoot"/>
-      </p:par>
-    </p:tnLst>
-  </p:timing>
 </p:sld>
 </file>
 
@@ -10888,22 +10384,10 @@
               <a:buAutoNum type="arabicPeriod"/>
             </a:pPr>
             <a:r>
-              <a:rPr lang="en-US" sz="3200" dirty="0" smtClean="0">
-                <a:latin typeface="inherit" charset="0"/>
-              </a:rPr>
-              <a:t>Every </a:t>
-            </a:r>
-            <a:r>
               <a:rPr lang="en-US" sz="3200" dirty="0">
                 <a:latin typeface="inherit" charset="0"/>
               </a:rPr>
-              <a:t>unit in a population should have an equal chance of being </a:t>
-            </a:r>
-            <a:r>
-              <a:rPr lang="en-US" sz="3200" dirty="0" smtClean="0">
-                <a:latin typeface="inherit" charset="0"/>
-              </a:rPr>
-              <a:t>sampled.</a:t>
+              <a:t>Every unit in a population should have an equal chance of being sampled.</a:t>
             </a:r>
           </a:p>
           <a:p>
@@ -10911,7 +10395,7 @@
               <a:buFont typeface="+mj-lt"/>
               <a:buAutoNum type="arabicPeriod"/>
             </a:pPr>
-            <a:endParaRPr lang="en-US" sz="3200" dirty="0" smtClean="0">
+            <a:endParaRPr lang="en-US" sz="3200" dirty="0">
               <a:latin typeface="inherit" charset="0"/>
             </a:endParaRPr>
           </a:p>
@@ -10921,22 +10405,10 @@
               <a:buAutoNum type="arabicPeriod"/>
             </a:pPr>
             <a:r>
-              <a:rPr lang="en-US" sz="3200" dirty="0" smtClean="0">
-                <a:latin typeface="inherit" charset="0"/>
-              </a:rPr>
-              <a:t>The </a:t>
-            </a:r>
-            <a:r>
               <a:rPr lang="en-US" sz="3200" dirty="0">
                 <a:latin typeface="inherit" charset="0"/>
               </a:rPr>
-              <a:t>selection of units must be </a:t>
-            </a:r>
-            <a:r>
-              <a:rPr lang="en-US" sz="3200" dirty="0" smtClean="0">
-                <a:latin typeface="inherit" charset="0"/>
-              </a:rPr>
-              <a:t>independent.</a:t>
+              <a:t>The selection of units must be independent.</a:t>
             </a:r>
           </a:p>
           <a:p>
@@ -10955,13 +10427,13 @@
               <a:buAutoNum type="arabicPeriod"/>
             </a:pPr>
             <a:r>
-              <a:rPr lang="en-US" sz="3200" dirty="0" smtClean="0">
+              <a:rPr lang="en-US" sz="3200" dirty="0">
                 <a:latin typeface="inherit" charset="0"/>
               </a:rPr>
               <a:t>Lots of ways of being non-random</a:t>
             </a:r>
             <a:r>
-              <a:rPr lang="mr-IN" sz="3200" dirty="0" smtClean="0">
+              <a:rPr lang="mr-IN" sz="3200" dirty="0">
                 <a:latin typeface="inherit" charset="0"/>
               </a:rPr>
               <a:t>…</a:t>
@@ -10983,13 +10455,6 @@
   <p:clrMapOvr>
     <a:masterClrMapping/>
   </p:clrMapOvr>
-  <p:timing>
-    <p:tnLst>
-      <p:par>
-        <p:cTn id="1" dur="indefinite" restart="never" nodeType="tmRoot"/>
-      </p:par>
-    </p:tnLst>
-  </p:timing>
 </p:sld>
 </file>
 

--- a/teaching/expdes/lec2.pptx
+++ b/teaching/expdes/lec2.pptx
@@ -5652,7 +5652,7 @@
             </a:pPr>
             <a:r>
               <a:rPr lang="en-US" sz="3200" dirty="0"/>
-              <a:t>numbers matter</a:t>
+              <a:t>numbers matter – I can’t search and intuit your answers</a:t>
             </a:r>
           </a:p>
           <a:p>
@@ -5662,13 +5662,8 @@
             </a:pPr>
             <a:r>
               <a:rPr lang="en-US" sz="3200" dirty="0"/>
-              <a:t>I will deduct for </a:t>
-            </a:r>
-            <a:r>
-              <a:rPr lang="en-US" sz="3200"/>
-              <a:t>excessive length</a:t>
-            </a:r>
-            <a:endParaRPr lang="en-US" sz="3200" dirty="0"/>
+              <a:t>I will deduct for excessive length</a:t>
+            </a:r>
           </a:p>
           <a:p>
             <a:pPr marL="1028700" lvl="1" indent="-571500" fontAlgn="base">
@@ -8710,7 +8705,7 @@
         <p:spPr>
           <a:xfrm>
             <a:off x="204396" y="1787531"/>
-            <a:ext cx="11801138" cy="2554545"/>
+            <a:ext cx="11801138" cy="1938992"/>
           </a:xfrm>
           <a:prstGeom prst="rect">
             <a:avLst/>
@@ -8749,16 +8744,6 @@
             <a:r>
               <a:rPr lang="en-US" sz="4000" dirty="0"/>
               <a:t>Central Limit Theorem</a:t>
-            </a:r>
-          </a:p>
-          <a:p>
-            <a:pPr marL="742950" indent="-742950" fontAlgn="base">
-              <a:buFont typeface="+mj-lt"/>
-              <a:buAutoNum type="arabicPeriod"/>
-            </a:pPr>
-            <a:r>
-              <a:rPr lang="en-US" sz="4000" dirty="0"/>
-              <a:t>Covariance and Correlation</a:t>
             </a:r>
           </a:p>
         </p:txBody>

--- a/teaching/expdes/lec2.pptx
+++ b/teaching/expdes/lec2.pptx
@@ -493,6 +493,90 @@
     </a:lvl9pPr>
   </p:notesStyle>
 </p:notesMaster>
+</file>
+
+<file path=ppt/notesSlides/notesSlide1.xml><?xml version="1.0" encoding="utf-8"?>
+<p:notes xmlns:a="http://schemas.openxmlformats.org/drawingml/2006/main" xmlns:r="http://schemas.openxmlformats.org/officeDocument/2006/relationships" xmlns:p="http://schemas.openxmlformats.org/presentationml/2006/main">
+  <p:cSld>
+    <p:spTree>
+      <p:nvGrpSpPr>
+        <p:cNvPr id="1" name=""/>
+        <p:cNvGrpSpPr/>
+        <p:nvPr/>
+      </p:nvGrpSpPr>
+      <p:grpSpPr>
+        <a:xfrm>
+          <a:off x="0" y="0"/>
+          <a:ext cx="0" cy="0"/>
+          <a:chOff x="0" y="0"/>
+          <a:chExt cx="0" cy="0"/>
+        </a:xfrm>
+      </p:grpSpPr>
+      <p:sp>
+        <p:nvSpPr>
+          <p:cNvPr id="2" name="Slide Image Placeholder 1"/>
+          <p:cNvSpPr>
+            <a:spLocks noGrp="1" noRot="1" noChangeAspect="1"/>
+          </p:cNvSpPr>
+          <p:nvPr>
+            <p:ph type="sldImg"/>
+          </p:nvPr>
+        </p:nvSpPr>
+        <p:spPr/>
+      </p:sp>
+      <p:sp>
+        <p:nvSpPr>
+          <p:cNvPr id="3" name="Notes Placeholder 2"/>
+          <p:cNvSpPr>
+            <a:spLocks noGrp="1"/>
+          </p:cNvSpPr>
+          <p:nvPr>
+            <p:ph type="body" idx="1"/>
+          </p:nvPr>
+        </p:nvSpPr>
+        <p:spPr/>
+        <p:txBody>
+          <a:bodyPr/>
+          <a:lstStyle/>
+          <a:p>
+            <a:endParaRPr lang="en-US"/>
+          </a:p>
+        </p:txBody>
+      </p:sp>
+      <p:sp>
+        <p:nvSpPr>
+          <p:cNvPr id="4" name="Slide Number Placeholder 3"/>
+          <p:cNvSpPr>
+            <a:spLocks noGrp="1"/>
+          </p:cNvSpPr>
+          <p:nvPr>
+            <p:ph type="sldNum" sz="quarter" idx="5"/>
+          </p:nvPr>
+        </p:nvSpPr>
+        <p:spPr/>
+        <p:txBody>
+          <a:bodyPr/>
+          <a:lstStyle/>
+          <a:p>
+            <a:fld id="{3784A19F-9A5E-D240-8FF1-934ECF97C3D1}" type="slidenum">
+              <a:rPr lang="en-US" smtClean="0"/>
+              <a:t>30</a:t>
+            </a:fld>
+            <a:endParaRPr lang="en-US"/>
+          </a:p>
+        </p:txBody>
+      </p:sp>
+    </p:spTree>
+    <p:extLst>
+      <p:ext uri="{BB962C8B-B14F-4D97-AF65-F5344CB8AC3E}">
+        <p14:creationId xmlns:p14="http://schemas.microsoft.com/office/powerpoint/2010/main" val="4011740912"/>
+      </p:ext>
+    </p:extLst>
+  </p:cSld>
+  <p:clrMapOvr>
+    <a:masterClrMapping/>
+  </p:clrMapOvr>
+</p:notes>
 </file>
 
 <file path=ppt/slideLayouts/slideLayout1.xml><?xml version="1.0" encoding="utf-8"?>
@@ -8852,7 +8936,7 @@
             </a:pPr>
             <a:r>
               <a:rPr lang="en-US" sz="3200" dirty="0"/>
-              <a:t>Read chapters 3 WS</a:t>
+              <a:t>Finish reading chapters 1 and 2</a:t>
             </a:r>
           </a:p>
           <a:p>
@@ -8899,7 +8983,7 @@
             </a:br>
             <a:r>
               <a:rPr lang="en-US" sz="3200" dirty="0">
-                <a:hlinkClick r:id="rId2"/>
+                <a:hlinkClick r:id="rId3"/>
               </a:rPr>
               <a:t>coleoguy@gmail.com</a:t>
             </a:r>
